--- a/CalendarioAgo20/Presentaciones/13_RedesInalambricas.pptx
+++ b/CalendarioAgo20/Presentaciones/13_RedesInalambricas.pptx
@@ -5,10 +5,10 @@
     <p:sldMasterId id="2147483648" r:id="rId1"/>
   </p:sldMasterIdLst>
   <p:notesMasterIdLst>
-    <p:notesMasterId r:id="rId28"/>
+    <p:notesMasterId r:id="rId29"/>
   </p:notesMasterIdLst>
   <p:handoutMasterIdLst>
-    <p:handoutMasterId r:id="rId29"/>
+    <p:handoutMasterId r:id="rId30"/>
   </p:handoutMasterIdLst>
   <p:sldIdLst>
     <p:sldId id="341" r:id="rId2"/>
@@ -19,24 +19,25 @@
     <p:sldId id="462" r:id="rId7"/>
     <p:sldId id="463" r:id="rId8"/>
     <p:sldId id="464" r:id="rId9"/>
-    <p:sldId id="465" r:id="rId10"/>
-    <p:sldId id="467" r:id="rId11"/>
-    <p:sldId id="490" r:id="rId12"/>
-    <p:sldId id="468" r:id="rId13"/>
-    <p:sldId id="471" r:id="rId14"/>
-    <p:sldId id="472" r:id="rId15"/>
-    <p:sldId id="473" r:id="rId16"/>
-    <p:sldId id="474" r:id="rId17"/>
-    <p:sldId id="491" r:id="rId18"/>
-    <p:sldId id="475" r:id="rId19"/>
-    <p:sldId id="476" r:id="rId20"/>
-    <p:sldId id="479" r:id="rId21"/>
-    <p:sldId id="482" r:id="rId22"/>
-    <p:sldId id="484" r:id="rId23"/>
-    <p:sldId id="486" r:id="rId24"/>
-    <p:sldId id="487" r:id="rId25"/>
-    <p:sldId id="488" r:id="rId26"/>
-    <p:sldId id="489" r:id="rId27"/>
+    <p:sldId id="492" r:id="rId10"/>
+    <p:sldId id="465" r:id="rId11"/>
+    <p:sldId id="467" r:id="rId12"/>
+    <p:sldId id="490" r:id="rId13"/>
+    <p:sldId id="468" r:id="rId14"/>
+    <p:sldId id="471" r:id="rId15"/>
+    <p:sldId id="472" r:id="rId16"/>
+    <p:sldId id="473" r:id="rId17"/>
+    <p:sldId id="474" r:id="rId18"/>
+    <p:sldId id="491" r:id="rId19"/>
+    <p:sldId id="475" r:id="rId20"/>
+    <p:sldId id="476" r:id="rId21"/>
+    <p:sldId id="479" r:id="rId22"/>
+    <p:sldId id="482" r:id="rId23"/>
+    <p:sldId id="484" r:id="rId24"/>
+    <p:sldId id="486" r:id="rId25"/>
+    <p:sldId id="487" r:id="rId26"/>
+    <p:sldId id="488" r:id="rId27"/>
+    <p:sldId id="489" r:id="rId28"/>
   </p:sldIdLst>
   <p:sldSz cx="9144000" cy="6858000" type="screen4x3"/>
   <p:notesSz cx="6858000" cy="9144000"/>
@@ -236,7 +237,7 @@
           <a:p>
             <a:fld id="{CFD15F0F-6D28-499C-8425-A9347399C9A5}" type="datetimeFigureOut">
               <a:rPr lang="es-MX" smtClean="0"/>
-              <a:t>01/04/2019</a:t>
+              <a:t>06/11/2020</a:t>
             </a:fld>
             <a:endParaRPr lang="es-MX" dirty="0"/>
           </a:p>
@@ -401,7 +402,7 @@
           <a:p>
             <a:fld id="{2D445F07-8756-451B-A938-0248325FC7BB}" type="datetimeFigureOut">
               <a:rPr lang="es-MX" smtClean="0"/>
-              <a:t>01/04/2019</a:t>
+              <a:t>06/11/2020</a:t>
             </a:fld>
             <a:endParaRPr lang="es-MX" dirty="0"/>
           </a:p>
@@ -830,7 +831,7 @@
           <a:p>
             <a:fld id="{5993AEC0-242E-4FA7-9D3C-51E1036AC3CB}" type="slidenum">
               <a:rPr lang="es-MX" smtClean="0"/>
-              <a:t>10</a:t>
+              <a:t>11</a:t>
             </a:fld>
             <a:endParaRPr lang="es-MX" dirty="0"/>
           </a:p>
@@ -914,7 +915,7 @@
           <a:p>
             <a:fld id="{5993AEC0-242E-4FA7-9D3C-51E1036AC3CB}" type="slidenum">
               <a:rPr lang="es-MX" smtClean="0"/>
-              <a:t>12</a:t>
+              <a:t>13</a:t>
             </a:fld>
             <a:endParaRPr lang="es-MX" dirty="0"/>
           </a:p>
@@ -998,7 +999,7 @@
           <a:p>
             <a:fld id="{5993AEC0-242E-4FA7-9D3C-51E1036AC3CB}" type="slidenum">
               <a:rPr lang="es-MX" smtClean="0"/>
-              <a:t>26</a:t>
+              <a:t>27</a:t>
             </a:fld>
             <a:endParaRPr lang="es-MX" dirty="0"/>
           </a:p>
@@ -1198,7 +1199,7 @@
           <a:p>
             <a:fld id="{5E75A0DC-66C6-4CEC-A5EB-F8C97CEC3796}" type="datetimeFigureOut">
               <a:rPr lang="es-MX" smtClean="0"/>
-              <a:t>01/04/2019</a:t>
+              <a:t>06/11/2020</a:t>
             </a:fld>
             <a:endParaRPr lang="es-MX" dirty="0"/>
           </a:p>
@@ -1368,7 +1369,7 @@
           <a:p>
             <a:fld id="{5E75A0DC-66C6-4CEC-A5EB-F8C97CEC3796}" type="datetimeFigureOut">
               <a:rPr lang="es-MX" smtClean="0"/>
-              <a:t>01/04/2019</a:t>
+              <a:t>06/11/2020</a:t>
             </a:fld>
             <a:endParaRPr lang="es-MX" dirty="0"/>
           </a:p>
@@ -1548,7 +1549,7 @@
           <a:p>
             <a:fld id="{5E75A0DC-66C6-4CEC-A5EB-F8C97CEC3796}" type="datetimeFigureOut">
               <a:rPr lang="es-MX" smtClean="0"/>
-              <a:t>01/04/2019</a:t>
+              <a:t>06/11/2020</a:t>
             </a:fld>
             <a:endParaRPr lang="es-MX" dirty="0"/>
           </a:p>
@@ -1718,7 +1719,7 @@
           <a:p>
             <a:fld id="{5E75A0DC-66C6-4CEC-A5EB-F8C97CEC3796}" type="datetimeFigureOut">
               <a:rPr lang="es-MX" smtClean="0"/>
-              <a:t>01/04/2019</a:t>
+              <a:t>06/11/2020</a:t>
             </a:fld>
             <a:endParaRPr lang="es-MX" dirty="0"/>
           </a:p>
@@ -1964,7 +1965,7 @@
           <a:p>
             <a:fld id="{5E75A0DC-66C6-4CEC-A5EB-F8C97CEC3796}" type="datetimeFigureOut">
               <a:rPr lang="es-MX" smtClean="0"/>
-              <a:t>01/04/2019</a:t>
+              <a:t>06/11/2020</a:t>
             </a:fld>
             <a:endParaRPr lang="es-MX" dirty="0"/>
           </a:p>
@@ -2252,7 +2253,7 @@
           <a:p>
             <a:fld id="{5E75A0DC-66C6-4CEC-A5EB-F8C97CEC3796}" type="datetimeFigureOut">
               <a:rPr lang="es-MX" smtClean="0"/>
-              <a:t>01/04/2019</a:t>
+              <a:t>06/11/2020</a:t>
             </a:fld>
             <a:endParaRPr lang="es-MX" dirty="0"/>
           </a:p>
@@ -2674,7 +2675,7 @@
           <a:p>
             <a:fld id="{5E75A0DC-66C6-4CEC-A5EB-F8C97CEC3796}" type="datetimeFigureOut">
               <a:rPr lang="es-MX" smtClean="0"/>
-              <a:t>01/04/2019</a:t>
+              <a:t>06/11/2020</a:t>
             </a:fld>
             <a:endParaRPr lang="es-MX" dirty="0"/>
           </a:p>
@@ -2792,7 +2793,7 @@
           <a:p>
             <a:fld id="{5E75A0DC-66C6-4CEC-A5EB-F8C97CEC3796}" type="datetimeFigureOut">
               <a:rPr lang="es-MX" smtClean="0"/>
-              <a:t>01/04/2019</a:t>
+              <a:t>06/11/2020</a:t>
             </a:fld>
             <a:endParaRPr lang="es-MX" dirty="0"/>
           </a:p>
@@ -2887,7 +2888,7 @@
           <a:p>
             <a:fld id="{5E75A0DC-66C6-4CEC-A5EB-F8C97CEC3796}" type="datetimeFigureOut">
               <a:rPr lang="es-MX" smtClean="0"/>
-              <a:t>01/04/2019</a:t>
+              <a:t>06/11/2020</a:t>
             </a:fld>
             <a:endParaRPr lang="es-MX" dirty="0"/>
           </a:p>
@@ -3164,7 +3165,7 @@
           <a:p>
             <a:fld id="{5E75A0DC-66C6-4CEC-A5EB-F8C97CEC3796}" type="datetimeFigureOut">
               <a:rPr lang="es-MX" smtClean="0"/>
-              <a:t>01/04/2019</a:t>
+              <a:t>06/11/2020</a:t>
             </a:fld>
             <a:endParaRPr lang="es-MX" dirty="0"/>
           </a:p>
@@ -3417,7 +3418,7 @@
           <a:p>
             <a:fld id="{5E75A0DC-66C6-4CEC-A5EB-F8C97CEC3796}" type="datetimeFigureOut">
               <a:rPr lang="es-MX" smtClean="0"/>
-              <a:t>01/04/2019</a:t>
+              <a:t>06/11/2020</a:t>
             </a:fld>
             <a:endParaRPr lang="es-MX" dirty="0"/>
           </a:p>
@@ -3630,7 +3631,7 @@
           <a:p>
             <a:fld id="{5E75A0DC-66C6-4CEC-A5EB-F8C97CEC3796}" type="datetimeFigureOut">
               <a:rPr lang="es-MX" smtClean="0"/>
-              <a:t>01/04/2019</a:t>
+              <a:t>06/11/2020</a:t>
             </a:fld>
             <a:endParaRPr lang="es-MX" dirty="0"/>
           </a:p>
@@ -4202,48 +4203,48 @@
       </p:grpSpPr>
       <p:sp>
         <p:nvSpPr>
-          <p:cNvPr id="15362" name="Rectangle 2"/>
+          <p:cNvPr id="13314" name="2 Marcador de contenido"/>
           <p:cNvSpPr>
             <a:spLocks noGrp="1"/>
           </p:cNvSpPr>
           <p:nvPr>
-            <p:ph type="body" idx="1"/>
+            <p:ph idx="1"/>
           </p:nvPr>
         </p:nvSpPr>
         <p:spPr>
           <a:xfrm>
-            <a:off x="533400" y="1196752"/>
-            <a:ext cx="8143056" cy="5275263"/>
+            <a:off x="427038" y="1196752"/>
+            <a:ext cx="8183562" cy="4608512"/>
           </a:xfrm>
         </p:spPr>
         <p:txBody>
           <a:bodyPr>
-            <a:noAutofit/>
+            <a:normAutofit/>
           </a:bodyPr>
           <a:lstStyle/>
           <a:p>
-            <a:pPr marL="0" indent="0" algn="just">
+            <a:pPr marL="457200" lvl="1" indent="0" eaLnBrk="1" hangingPunct="1">
               <a:lnSpc>
                 <a:spcPct val="150000"/>
               </a:lnSpc>
               <a:spcBef>
-                <a:spcPts val="600"/>
+                <a:spcPts val="1200"/>
               </a:spcBef>
               <a:buNone/>
             </a:pPr>
             <a:r>
-              <a:rPr lang="en-US" altLang="es-MX" sz="2100" dirty="0">
-                <a:solidFill>
-                  <a:schemeClr val="bg2">
-                    <a:lumMod val="25000"/>
-                  </a:schemeClr>
-                </a:solidFill>
-              </a:rPr>
-              <a:t>Existen varias alternativas para garantizar la seguridad de estas redes. Las más comunes son:</a:t>
-            </a:r>
-          </a:p>
-          <a:p>
-            <a:pPr algn="just">
+              <a:rPr lang="es-ES" altLang="es-MX" sz="2400" b="1" dirty="0">
+                <a:solidFill>
+                  <a:schemeClr val="accent6">
+                    <a:lumMod val="75000"/>
+                  </a:schemeClr>
+                </a:solidFill>
+              </a:rPr>
+              <a:t>EL ESTANDAR 802.11n</a:t>
+            </a:r>
+          </a:p>
+          <a:p>
+            <a:pPr lvl="1" algn="just">
               <a:lnSpc>
                 <a:spcPct val="150000"/>
               </a:lnSpc>
@@ -4252,28 +4253,35 @@
               </a:spcBef>
             </a:pPr>
             <a:r>
-              <a:rPr lang="en-US" altLang="es-MX" sz="2100" b="1" dirty="0">
-                <a:solidFill>
-                  <a:schemeClr val="bg2">
-                    <a:lumMod val="25000"/>
-                  </a:schemeClr>
-                </a:solidFill>
-              </a:rPr>
-              <a:t>Utilización de protocolos de cifrado de datos </a:t>
-            </a:r>
-            <a:r>
-              <a:rPr lang="en-US" altLang="es-MX" sz="2100" dirty="0">
-                <a:solidFill>
-                  <a:schemeClr val="bg2">
-                    <a:lumMod val="25000"/>
-                  </a:schemeClr>
-                </a:solidFill>
-              </a:rPr>
-              <a:t>para los estándares Wi-Fi como el WEP y el WPA, encargados de la codificación de la  información transmitida para proteger su confidencialidad.</a:t>
-            </a:r>
-          </a:p>
-          <a:p>
-            <a:pPr algn="just">
+              <a:rPr lang="es-ES" altLang="es-MX" sz="2300" dirty="0">
+                <a:solidFill>
+                  <a:schemeClr val="bg2">
+                    <a:lumMod val="25000"/>
+                  </a:schemeClr>
+                </a:solidFill>
+              </a:rPr>
+              <a:t>Ofrece una velocidad máxima de </a:t>
+            </a:r>
+            <a:r>
+              <a:rPr lang="es-ES" altLang="es-MX" sz="2300" b="1" dirty="0">
+                <a:solidFill>
+                  <a:schemeClr val="bg2">
+                    <a:lumMod val="25000"/>
+                  </a:schemeClr>
+                </a:solidFill>
+              </a:rPr>
+              <a:t>600 Mbps.</a:t>
+            </a:r>
+            <a:endParaRPr lang="es-ES" altLang="es-MX" sz="2300" dirty="0">
+              <a:solidFill>
+                <a:schemeClr val="bg2">
+                  <a:lumMod val="25000"/>
+                </a:schemeClr>
+              </a:solidFill>
+            </a:endParaRPr>
+          </a:p>
+          <a:p>
+            <a:pPr lvl="1" algn="just">
               <a:lnSpc>
                 <a:spcPct val="150000"/>
               </a:lnSpc>
@@ -4282,58 +4290,88 @@
               </a:spcBef>
             </a:pPr>
             <a:r>
-              <a:rPr lang="en-US" altLang="es-MX" sz="2100" dirty="0">
-                <a:solidFill>
-                  <a:schemeClr val="bg2">
-                    <a:lumMod val="25000"/>
-                  </a:schemeClr>
-                </a:solidFill>
-              </a:rPr>
-              <a:t>IPSEC (</a:t>
-            </a:r>
-            <a:r>
-              <a:rPr lang="en-US" altLang="es-MX" sz="2100" b="1" dirty="0">
-                <a:solidFill>
-                  <a:schemeClr val="bg2">
-                    <a:lumMod val="25000"/>
-                  </a:schemeClr>
-                </a:solidFill>
-              </a:rPr>
-              <a:t>túneles IP</a:t>
-            </a:r>
-            <a:r>
-              <a:rPr lang="en-US" altLang="es-MX" sz="2100" dirty="0">
-                <a:solidFill>
-                  <a:schemeClr val="bg2">
-                    <a:lumMod val="25000"/>
-                  </a:schemeClr>
-                </a:solidFill>
-              </a:rPr>
-              <a:t>), </a:t>
-            </a:r>
-            <a:r>
-              <a:rPr lang="en-US" altLang="es-MX" sz="2100" b="1" dirty="0">
-                <a:solidFill>
-                  <a:schemeClr val="bg2">
-                    <a:lumMod val="25000"/>
-                  </a:schemeClr>
-                </a:solidFill>
-              </a:rPr>
-              <a:t>VPN </a:t>
-            </a:r>
-            <a:r>
-              <a:rPr lang="en-US" altLang="es-MX" sz="2100" dirty="0">
-                <a:solidFill>
-                  <a:schemeClr val="bg2">
-                    <a:lumMod val="25000"/>
-                  </a:schemeClr>
-                </a:solidFill>
-              </a:rPr>
-              <a:t>y el conjunto de estándares IEEE 802.1X, permitiendo la autenticación y autorización de usuarios.</a:t>
-            </a:r>
-          </a:p>
-          <a:p>
-            <a:pPr algn="just">
+              <a:rPr lang="es-ES" altLang="es-MX" sz="2300" dirty="0">
+                <a:solidFill>
+                  <a:schemeClr val="bg2">
+                    <a:lumMod val="25000"/>
+                  </a:schemeClr>
+                </a:solidFill>
+              </a:rPr>
+              <a:t>Puede trabajar en dos bandas de frecuencias: </a:t>
+            </a:r>
+            <a:r>
+              <a:rPr lang="es-ES" altLang="es-MX" sz="2300" b="1" dirty="0">
+                <a:solidFill>
+                  <a:schemeClr val="bg2">
+                    <a:lumMod val="25000"/>
+                  </a:schemeClr>
+                </a:solidFill>
+              </a:rPr>
+              <a:t>2.4 </a:t>
+            </a:r>
+            <a:r>
+              <a:rPr lang="es-ES" altLang="es-MX" sz="2300" b="1" dirty="0" err="1">
+                <a:solidFill>
+                  <a:schemeClr val="bg2">
+                    <a:lumMod val="25000"/>
+                  </a:schemeClr>
+                </a:solidFill>
+              </a:rPr>
+              <a:t>Ghz</a:t>
+            </a:r>
+            <a:r>
+              <a:rPr lang="es-ES" altLang="es-MX" sz="2300" dirty="0">
+                <a:solidFill>
+                  <a:schemeClr val="bg2">
+                    <a:lumMod val="25000"/>
+                  </a:schemeClr>
+                </a:solidFill>
+              </a:rPr>
+              <a:t> y </a:t>
+            </a:r>
+            <a:r>
+              <a:rPr lang="es-ES" altLang="es-MX" sz="2300" b="1" dirty="0">
+                <a:solidFill>
+                  <a:schemeClr val="bg2">
+                    <a:lumMod val="25000"/>
+                  </a:schemeClr>
+                </a:solidFill>
+              </a:rPr>
+              <a:t>5</a:t>
+            </a:r>
+            <a:r>
+              <a:rPr lang="es-ES" sz="2300" b="1" dirty="0">
+                <a:solidFill>
+                  <a:schemeClr val="bg2">
+                    <a:lumMod val="25000"/>
+                  </a:schemeClr>
+                </a:solidFill>
+              </a:rPr>
+              <a:t> </a:t>
+            </a:r>
+            <a:r>
+              <a:rPr lang="es-ES" sz="2300" b="1" dirty="0" err="1">
+                <a:solidFill>
+                  <a:schemeClr val="bg2">
+                    <a:lumMod val="25000"/>
+                  </a:schemeClr>
+                </a:solidFill>
+              </a:rPr>
+              <a:t>Ghz</a:t>
+            </a:r>
+            <a:r>
+              <a:rPr lang="es-ES" sz="2300" b="1" dirty="0">
+                <a:solidFill>
+                  <a:schemeClr val="bg2">
+                    <a:lumMod val="25000"/>
+                  </a:schemeClr>
+                </a:solidFill>
+              </a:rPr>
+              <a:t>. </a:t>
+            </a:r>
+          </a:p>
+          <a:p>
+            <a:pPr lvl="1" algn="just">
               <a:lnSpc>
                 <a:spcPct val="150000"/>
               </a:lnSpc>
@@ -4342,25 +4380,40 @@
               </a:spcBef>
             </a:pPr>
             <a:r>
-              <a:rPr lang="en-US" altLang="es-MX" sz="2100" b="1" dirty="0">
-                <a:solidFill>
-                  <a:schemeClr val="bg2">
-                    <a:lumMod val="25000"/>
-                  </a:schemeClr>
-                </a:solidFill>
-              </a:rPr>
-              <a:t>Filtrado de MAC</a:t>
-            </a:r>
-            <a:r>
-              <a:rPr lang="en-US" altLang="es-MX" sz="2100" dirty="0">
-                <a:solidFill>
-                  <a:schemeClr val="bg2">
-                    <a:lumMod val="25000"/>
-                  </a:schemeClr>
-                </a:solidFill>
-              </a:rPr>
-              <a:t>, sólo se permite acceso a los dispositivos autorizados.</a:t>
-            </a:r>
+              <a:rPr lang="es-ES" sz="2300" dirty="0">
+                <a:solidFill>
+                  <a:schemeClr val="bg2">
+                    <a:lumMod val="25000"/>
+                  </a:schemeClr>
+                </a:solidFill>
+              </a:rPr>
+              <a:t>Es útil que trabaje en la banda de </a:t>
+            </a:r>
+            <a:r>
+              <a:rPr lang="es-ES" sz="2300" b="1" dirty="0">
+                <a:solidFill>
+                  <a:schemeClr val="bg2">
+                    <a:lumMod val="25000"/>
+                  </a:schemeClr>
+                </a:solidFill>
+              </a:rPr>
+              <a:t>5 GHz</a:t>
+            </a:r>
+            <a:r>
+              <a:rPr lang="es-ES" sz="2300" dirty="0">
+                <a:solidFill>
+                  <a:schemeClr val="bg2">
+                    <a:lumMod val="25000"/>
+                  </a:schemeClr>
+                </a:solidFill>
+              </a:rPr>
+              <a:t>, ya que está menos congestionada y permite alcanzar un mayor rendimiento.</a:t>
+            </a:r>
+            <a:endParaRPr lang="es-ES" altLang="es-MX" dirty="0"/>
+          </a:p>
+          <a:p>
+            <a:pPr lvl="1" eaLnBrk="1" hangingPunct="1"/>
+            <a:endParaRPr lang="es-ES" altLang="es-MX" dirty="0"/>
           </a:p>
         </p:txBody>
       </p:sp>
@@ -4520,7 +4573,7 @@
             </a:pPr>
             <a:r>
               <a:rPr lang="es-MX" altLang="es-MX" sz="3600" b="1" dirty="0"/>
-              <a:t>Seguridad Wi-Fi</a:t>
+              <a:t>Los estándares más comunes</a:t>
             </a:r>
           </a:p>
         </p:txBody>
@@ -4528,7 +4581,7 @@
     </p:spTree>
     <p:extLst>
       <p:ext uri="{BB962C8B-B14F-4D97-AF65-F5344CB8AC3E}">
-        <p14:creationId xmlns:p14="http://schemas.microsoft.com/office/powerpoint/2010/main" val="4005074688"/>
+        <p14:creationId xmlns:p14="http://schemas.microsoft.com/office/powerpoint/2010/main" val="3819688600"/>
       </p:ext>
     </p:extLst>
   </p:cSld>
@@ -4567,8 +4620,8 @@
         </p:nvSpPr>
         <p:spPr>
           <a:xfrm>
-            <a:off x="611560" y="1322089"/>
-            <a:ext cx="7776864" cy="5275263"/>
+            <a:off x="533400" y="1196752"/>
+            <a:ext cx="8143056" cy="5275263"/>
           </a:xfrm>
         </p:spPr>
         <p:txBody>
@@ -4577,6 +4630,27 @@
           </a:bodyPr>
           <a:lstStyle/>
           <a:p>
+            <a:pPr marL="0" indent="0" algn="just">
+              <a:lnSpc>
+                <a:spcPct val="150000"/>
+              </a:lnSpc>
+              <a:spcBef>
+                <a:spcPts val="600"/>
+              </a:spcBef>
+              <a:buNone/>
+            </a:pPr>
+            <a:r>
+              <a:rPr lang="en-US" altLang="es-MX" sz="2100" dirty="0">
+                <a:solidFill>
+                  <a:schemeClr val="bg2">
+                    <a:lumMod val="25000"/>
+                  </a:schemeClr>
+                </a:solidFill>
+              </a:rPr>
+              <a:t>Existen varias alternativas para garantizar la seguridad de estas redes. Las más comunes son:</a:t>
+            </a:r>
+          </a:p>
+          <a:p>
             <a:pPr algn="just">
               <a:lnSpc>
                 <a:spcPct val="150000"/>
@@ -4593,7 +4667,7 @@
                   </a:schemeClr>
                 </a:solidFill>
               </a:rPr>
-              <a:t>Ocultación del punto de acceso </a:t>
+              <a:t>Utilización de protocolos de cifrado de datos </a:t>
             </a:r>
             <a:r>
               <a:rPr lang="en-US" altLang="es-MX" sz="2100" dirty="0">
@@ -4603,7 +4677,7 @@
                   </a:schemeClr>
                 </a:solidFill>
               </a:rPr>
-              <a:t>(SSID): punto de acceso (Router) invisible a otros usuarios.</a:t>
+              <a:t>para los estándares Wi-Fi como el WEP y el WPA, encargados de la codificación de la  información transmitida para proteger su confidencialidad.</a:t>
             </a:r>
           </a:p>
           <a:p>
@@ -4623,7 +4697,7 @@
                   </a:schemeClr>
                 </a:solidFill>
               </a:rPr>
-              <a:t>El </a:t>
+              <a:t>IPSEC (</a:t>
             </a:r>
             <a:r>
               <a:rPr lang="en-US" altLang="es-MX" sz="2100" b="1" dirty="0">
@@ -4633,7 +4707,7 @@
                   </a:schemeClr>
                 </a:solidFill>
               </a:rPr>
-              <a:t>protocolo de seguridad WPA2 </a:t>
+              <a:t>túneles IP</a:t>
             </a:r>
             <a:r>
               <a:rPr lang="en-US" altLang="es-MX" sz="2100" dirty="0">
@@ -4643,7 +4717,27 @@
                   </a:schemeClr>
                 </a:solidFill>
               </a:rPr>
-              <a:t>(estándar 802.11i). En principio es el protocolo de seguridad más seguro para Wi-Fi en este momento. Sin embargo requieren hardware y software compatibles.</a:t>
+              <a:t>), </a:t>
+            </a:r>
+            <a:r>
+              <a:rPr lang="en-US" altLang="es-MX" sz="2100" b="1" dirty="0">
+                <a:solidFill>
+                  <a:schemeClr val="bg2">
+                    <a:lumMod val="25000"/>
+                  </a:schemeClr>
+                </a:solidFill>
+              </a:rPr>
+              <a:t>VPN </a:t>
+            </a:r>
+            <a:r>
+              <a:rPr lang="en-US" altLang="es-MX" sz="2100" dirty="0">
+                <a:solidFill>
+                  <a:schemeClr val="bg2">
+                    <a:lumMod val="25000"/>
+                  </a:schemeClr>
+                </a:solidFill>
+              </a:rPr>
+              <a:t>y el conjunto de estándares IEEE 802.1X, permitiendo la autenticación y autorización de usuarios.</a:t>
             </a:r>
           </a:p>
           <a:p>
@@ -4656,6 +4750,16 @@
               </a:spcBef>
             </a:pPr>
             <a:r>
+              <a:rPr lang="en-US" altLang="es-MX" sz="2100" b="1" dirty="0">
+                <a:solidFill>
+                  <a:schemeClr val="bg2">
+                    <a:lumMod val="25000"/>
+                  </a:schemeClr>
+                </a:solidFill>
+              </a:rPr>
+              <a:t>Filtrado de MAC</a:t>
+            </a:r>
+            <a:r>
               <a:rPr lang="en-US" altLang="es-MX" sz="2100" dirty="0">
                 <a:solidFill>
                   <a:schemeClr val="bg2">
@@ -4663,15 +4767,8 @@
                   </a:schemeClr>
                 </a:solidFill>
               </a:rPr>
-              <a:t>No existe ninguna alternativa fiable 100%, todas se pueden burlar.</a:t>
-            </a:r>
-            <a:endParaRPr lang="es-ES_tradnl" altLang="es-MX" sz="2100" dirty="0">
-              <a:solidFill>
-                <a:schemeClr val="bg2">
-                  <a:lumMod val="25000"/>
-                </a:schemeClr>
-              </a:solidFill>
-            </a:endParaRPr>
+              <a:t>, sólo se permite acceso a los dispositivos autorizados.</a:t>
+            </a:r>
           </a:p>
         </p:txBody>
       </p:sp>
@@ -4839,6 +4936,317 @@
     </p:spTree>
     <p:extLst>
       <p:ext uri="{BB962C8B-B14F-4D97-AF65-F5344CB8AC3E}">
+        <p14:creationId xmlns:p14="http://schemas.microsoft.com/office/powerpoint/2010/main" val="4005074688"/>
+      </p:ext>
+    </p:extLst>
+  </p:cSld>
+  <p:clrMapOvr>
+    <a:masterClrMapping/>
+  </p:clrMapOvr>
+</p:sld>
+</file>
+
+<file path=ppt/slides/slide12.xml><?xml version="1.0" encoding="utf-8"?>
+<p:sld xmlns:a="http://schemas.openxmlformats.org/drawingml/2006/main" xmlns:r="http://schemas.openxmlformats.org/officeDocument/2006/relationships" xmlns:p="http://schemas.openxmlformats.org/presentationml/2006/main">
+  <p:cSld>
+    <p:spTree>
+      <p:nvGrpSpPr>
+        <p:cNvPr id="1" name=""/>
+        <p:cNvGrpSpPr/>
+        <p:nvPr/>
+      </p:nvGrpSpPr>
+      <p:grpSpPr>
+        <a:xfrm>
+          <a:off x="0" y="0"/>
+          <a:ext cx="0" cy="0"/>
+          <a:chOff x="0" y="0"/>
+          <a:chExt cx="0" cy="0"/>
+        </a:xfrm>
+      </p:grpSpPr>
+      <p:sp>
+        <p:nvSpPr>
+          <p:cNvPr id="15362" name="Rectangle 2"/>
+          <p:cNvSpPr>
+            <a:spLocks noGrp="1"/>
+          </p:cNvSpPr>
+          <p:nvPr>
+            <p:ph type="body" idx="1"/>
+          </p:nvPr>
+        </p:nvSpPr>
+        <p:spPr>
+          <a:xfrm>
+            <a:off x="611560" y="1322089"/>
+            <a:ext cx="7776864" cy="5275263"/>
+          </a:xfrm>
+        </p:spPr>
+        <p:txBody>
+          <a:bodyPr>
+            <a:noAutofit/>
+          </a:bodyPr>
+          <a:lstStyle/>
+          <a:p>
+            <a:pPr algn="just">
+              <a:lnSpc>
+                <a:spcPct val="150000"/>
+              </a:lnSpc>
+              <a:spcBef>
+                <a:spcPts val="1200"/>
+              </a:spcBef>
+            </a:pPr>
+            <a:r>
+              <a:rPr lang="en-US" altLang="es-MX" sz="2100" b="1" dirty="0">
+                <a:solidFill>
+                  <a:schemeClr val="bg2">
+                    <a:lumMod val="25000"/>
+                  </a:schemeClr>
+                </a:solidFill>
+              </a:rPr>
+              <a:t>Ocultación del punto de acceso </a:t>
+            </a:r>
+            <a:r>
+              <a:rPr lang="en-US" altLang="es-MX" sz="2100" dirty="0">
+                <a:solidFill>
+                  <a:schemeClr val="bg2">
+                    <a:lumMod val="25000"/>
+                  </a:schemeClr>
+                </a:solidFill>
+              </a:rPr>
+              <a:t>(SSID): punto de acceso (Router) invisible a otros usuarios.</a:t>
+            </a:r>
+          </a:p>
+          <a:p>
+            <a:pPr algn="just">
+              <a:lnSpc>
+                <a:spcPct val="150000"/>
+              </a:lnSpc>
+              <a:spcBef>
+                <a:spcPts val="1200"/>
+              </a:spcBef>
+            </a:pPr>
+            <a:r>
+              <a:rPr lang="en-US" altLang="es-MX" sz="2100" dirty="0">
+                <a:solidFill>
+                  <a:schemeClr val="bg2">
+                    <a:lumMod val="25000"/>
+                  </a:schemeClr>
+                </a:solidFill>
+              </a:rPr>
+              <a:t>El </a:t>
+            </a:r>
+            <a:r>
+              <a:rPr lang="en-US" altLang="es-MX" sz="2100" b="1" dirty="0">
+                <a:solidFill>
+                  <a:schemeClr val="bg2">
+                    <a:lumMod val="25000"/>
+                  </a:schemeClr>
+                </a:solidFill>
+              </a:rPr>
+              <a:t>protocolo de seguridad WPA2 </a:t>
+            </a:r>
+            <a:r>
+              <a:rPr lang="en-US" altLang="es-MX" sz="2100" dirty="0">
+                <a:solidFill>
+                  <a:schemeClr val="bg2">
+                    <a:lumMod val="25000"/>
+                  </a:schemeClr>
+                </a:solidFill>
+              </a:rPr>
+              <a:t>(estándar 802.11i). En principio es el protocolo de seguridad más seguro para Wi-Fi en este momento. Sin embargo requieren hardware y software compatibles.</a:t>
+            </a:r>
+          </a:p>
+          <a:p>
+            <a:pPr algn="just">
+              <a:lnSpc>
+                <a:spcPct val="150000"/>
+              </a:lnSpc>
+              <a:spcBef>
+                <a:spcPts val="1200"/>
+              </a:spcBef>
+            </a:pPr>
+            <a:r>
+              <a:rPr lang="en-US" altLang="es-MX" sz="2100" dirty="0">
+                <a:solidFill>
+                  <a:schemeClr val="bg2">
+                    <a:lumMod val="25000"/>
+                  </a:schemeClr>
+                </a:solidFill>
+              </a:rPr>
+              <a:t>No existe ninguna alternativa fiable 100%, todas se pueden burlar.</a:t>
+            </a:r>
+            <a:endParaRPr lang="es-ES_tradnl" altLang="es-MX" sz="2100" dirty="0">
+              <a:solidFill>
+                <a:schemeClr val="bg2">
+                  <a:lumMod val="25000"/>
+                </a:schemeClr>
+              </a:solidFill>
+            </a:endParaRPr>
+          </a:p>
+        </p:txBody>
+      </p:sp>
+      <p:sp>
+        <p:nvSpPr>
+          <p:cNvPr id="3" name="Text Box 2"/>
+          <p:cNvSpPr txBox="1">
+            <a:spLocks noChangeArrowheads="1"/>
+          </p:cNvSpPr>
+          <p:nvPr/>
+        </p:nvSpPr>
+        <p:spPr bwMode="auto">
+          <a:xfrm>
+            <a:off x="533400" y="304800"/>
+            <a:ext cx="8077200" cy="646113"/>
+          </a:xfrm>
+          <a:prstGeom prst="rect">
+            <a:avLst/>
+          </a:prstGeom>
+          <a:gradFill rotWithShape="0">
+            <a:gsLst>
+              <a:gs pos="0">
+                <a:srgbClr val="185E76"/>
+              </a:gs>
+              <a:gs pos="50000">
+                <a:srgbClr val="33CCFF"/>
+              </a:gs>
+              <a:gs pos="100000">
+                <a:srgbClr val="185E76"/>
+              </a:gs>
+            </a:gsLst>
+            <a:lin ang="5400000" scaled="1"/>
+          </a:gradFill>
+          <a:ln>
+            <a:noFill/>
+          </a:ln>
+          <a:extLst>
+            <a:ext uri="{91240B29-F687-4F45-9708-019B960494DF}">
+              <a14:hiddenLine xmlns:a14="http://schemas.microsoft.com/office/drawing/2010/main" w="9525">
+                <a:solidFill>
+                  <a:srgbClr val="000000"/>
+                </a:solidFill>
+                <a:miter lim="800000"/>
+                <a:headEnd/>
+                <a:tailEnd/>
+              </a14:hiddenLine>
+            </a:ext>
+          </a:extLst>
+        </p:spPr>
+        <p:txBody>
+          <a:bodyPr>
+            <a:spAutoFit/>
+          </a:bodyPr>
+          <a:lstStyle>
+            <a:lvl1pPr eaLnBrk="0" hangingPunct="0">
+              <a:defRPr sz="2400">
+                <a:solidFill>
+                  <a:schemeClr val="tx1"/>
+                </a:solidFill>
+                <a:latin typeface="Times New Roman" pitchFamily="18" charset="0"/>
+              </a:defRPr>
+            </a:lvl1pPr>
+            <a:lvl2pPr marL="742950" indent="-285750" eaLnBrk="0" hangingPunct="0">
+              <a:defRPr sz="2400">
+                <a:solidFill>
+                  <a:schemeClr val="tx1"/>
+                </a:solidFill>
+                <a:latin typeface="Times New Roman" pitchFamily="18" charset="0"/>
+              </a:defRPr>
+            </a:lvl2pPr>
+            <a:lvl3pPr marL="1143000" indent="-228600" eaLnBrk="0" hangingPunct="0">
+              <a:defRPr sz="2400">
+                <a:solidFill>
+                  <a:schemeClr val="tx1"/>
+                </a:solidFill>
+                <a:latin typeface="Times New Roman" pitchFamily="18" charset="0"/>
+              </a:defRPr>
+            </a:lvl3pPr>
+            <a:lvl4pPr marL="1600200" indent="-228600" eaLnBrk="0" hangingPunct="0">
+              <a:defRPr sz="2400">
+                <a:solidFill>
+                  <a:schemeClr val="tx1"/>
+                </a:solidFill>
+                <a:latin typeface="Times New Roman" pitchFamily="18" charset="0"/>
+              </a:defRPr>
+            </a:lvl4pPr>
+            <a:lvl5pPr marL="2057400" indent="-228600" eaLnBrk="0" hangingPunct="0">
+              <a:defRPr sz="2400">
+                <a:solidFill>
+                  <a:schemeClr val="tx1"/>
+                </a:solidFill>
+                <a:latin typeface="Times New Roman" pitchFamily="18" charset="0"/>
+              </a:defRPr>
+            </a:lvl5pPr>
+            <a:lvl6pPr marL="2514600" indent="-228600" eaLnBrk="0" fontAlgn="base" hangingPunct="0">
+              <a:spcBef>
+                <a:spcPct val="0"/>
+              </a:spcBef>
+              <a:spcAft>
+                <a:spcPct val="0"/>
+              </a:spcAft>
+              <a:defRPr sz="2400">
+                <a:solidFill>
+                  <a:schemeClr val="tx1"/>
+                </a:solidFill>
+                <a:latin typeface="Times New Roman" pitchFamily="18" charset="0"/>
+              </a:defRPr>
+            </a:lvl6pPr>
+            <a:lvl7pPr marL="2971800" indent="-228600" eaLnBrk="0" fontAlgn="base" hangingPunct="0">
+              <a:spcBef>
+                <a:spcPct val="0"/>
+              </a:spcBef>
+              <a:spcAft>
+                <a:spcPct val="0"/>
+              </a:spcAft>
+              <a:defRPr sz="2400">
+                <a:solidFill>
+                  <a:schemeClr val="tx1"/>
+                </a:solidFill>
+                <a:latin typeface="Times New Roman" pitchFamily="18" charset="0"/>
+              </a:defRPr>
+            </a:lvl7pPr>
+            <a:lvl8pPr marL="3429000" indent="-228600" eaLnBrk="0" fontAlgn="base" hangingPunct="0">
+              <a:spcBef>
+                <a:spcPct val="0"/>
+              </a:spcBef>
+              <a:spcAft>
+                <a:spcPct val="0"/>
+              </a:spcAft>
+              <a:defRPr sz="2400">
+                <a:solidFill>
+                  <a:schemeClr val="tx1"/>
+                </a:solidFill>
+                <a:latin typeface="Times New Roman" pitchFamily="18" charset="0"/>
+              </a:defRPr>
+            </a:lvl8pPr>
+            <a:lvl9pPr marL="3886200" indent="-228600" eaLnBrk="0" fontAlgn="base" hangingPunct="0">
+              <a:spcBef>
+                <a:spcPct val="0"/>
+              </a:spcBef>
+              <a:spcAft>
+                <a:spcPct val="0"/>
+              </a:spcAft>
+              <a:defRPr sz="2400">
+                <a:solidFill>
+                  <a:schemeClr val="tx1"/>
+                </a:solidFill>
+                <a:latin typeface="Times New Roman" pitchFamily="18" charset="0"/>
+              </a:defRPr>
+            </a:lvl9pPr>
+          </a:lstStyle>
+          <a:p>
+            <a:pPr algn="ctr" eaLnBrk="1" hangingPunct="1">
+              <a:spcBef>
+                <a:spcPct val="50000"/>
+              </a:spcBef>
+            </a:pPr>
+            <a:r>
+              <a:rPr lang="es-MX" altLang="es-MX" sz="3600" b="1" dirty="0"/>
+              <a:t>Seguridad Wi-Fi</a:t>
+            </a:r>
+          </a:p>
+        </p:txBody>
+      </p:sp>
+    </p:spTree>
+    <p:extLst>
+      <p:ext uri="{BB962C8B-B14F-4D97-AF65-F5344CB8AC3E}">
         <p14:creationId xmlns:p14="http://schemas.microsoft.com/office/powerpoint/2010/main" val="3631589502"/>
       </p:ext>
     </p:extLst>
@@ -4849,7 +5257,7 @@
 </p:sld>
 </file>
 
-<file path=ppt/slides/slide12.xml><?xml version="1.0" encoding="utf-8"?>
+<file path=ppt/slides/slide13.xml><?xml version="1.0" encoding="utf-8"?>
 <p:sld xmlns:a="http://schemas.openxmlformats.org/drawingml/2006/main" xmlns:r="http://schemas.openxmlformats.org/officeDocument/2006/relationships" xmlns:p="http://schemas.openxmlformats.org/presentationml/2006/main">
   <p:cSld>
     <p:spTree>
@@ -5227,7 +5635,7 @@
 </p:sld>
 </file>
 
-<file path=ppt/slides/slide13.xml><?xml version="1.0" encoding="utf-8"?>
+<file path=ppt/slides/slide14.xml><?xml version="1.0" encoding="utf-8"?>
 <p:sld xmlns:a="http://schemas.openxmlformats.org/drawingml/2006/main" xmlns:r="http://schemas.openxmlformats.org/officeDocument/2006/relationships" xmlns:p="http://schemas.openxmlformats.org/presentationml/2006/main">
   <p:cSld>
     <p:spTree>
@@ -5744,7 +6152,67 @@
                   </a:schemeClr>
                 </a:solidFill>
               </a:rPr>
-              <a:t>Las antenas Direccionales envían la información a una cierta zona de cobertura. A un ángulo determinado.</a:t>
+              <a:t>Las </a:t>
+            </a:r>
+            <a:r>
+              <a:rPr lang="en-US" sz="2000" dirty="0" err="1">
+                <a:solidFill>
+                  <a:schemeClr val="bg2">
+                    <a:lumMod val="25000"/>
+                  </a:schemeClr>
+                </a:solidFill>
+              </a:rPr>
+              <a:t>antenas</a:t>
+            </a:r>
+            <a:r>
+              <a:rPr lang="en-US" sz="2000" dirty="0">
+                <a:solidFill>
+                  <a:schemeClr val="bg2">
+                    <a:lumMod val="25000"/>
+                  </a:schemeClr>
+                </a:solidFill>
+              </a:rPr>
+              <a:t> </a:t>
+            </a:r>
+            <a:r>
+              <a:rPr lang="en-US" sz="2000" dirty="0" err="1">
+                <a:solidFill>
+                  <a:schemeClr val="bg2">
+                    <a:lumMod val="25000"/>
+                  </a:schemeClr>
+                </a:solidFill>
+              </a:rPr>
+              <a:t>direccionales</a:t>
+            </a:r>
+            <a:r>
+              <a:rPr lang="en-US" sz="2000" dirty="0">
+                <a:solidFill>
+                  <a:schemeClr val="bg2">
+                    <a:lumMod val="25000"/>
+                  </a:schemeClr>
+                </a:solidFill>
+              </a:rPr>
+              <a:t> envían la información a una cierta zona de </a:t>
+            </a:r>
+            <a:r>
+              <a:rPr lang="en-US" sz="2000" dirty="0" err="1">
+                <a:solidFill>
+                  <a:schemeClr val="bg2">
+                    <a:lumMod val="25000"/>
+                  </a:schemeClr>
+                </a:solidFill>
+              </a:rPr>
+              <a:t>cobertura</a:t>
+            </a:r>
+            <a:r>
+              <a:rPr lang="en-US" sz="2000" dirty="0">
+                <a:solidFill>
+                  <a:schemeClr val="bg2">
+                    <a:lumMod val="25000"/>
+                  </a:schemeClr>
+                </a:solidFill>
+              </a:rPr>
+              <a:t>, a un ángulo determinado.</a:t>
             </a:r>
           </a:p>
           <a:p>
@@ -5830,7 +6298,7 @@
 </p:sld>
 </file>
 
-<file path=ppt/slides/slide14.xml><?xml version="1.0" encoding="utf-8"?>
+<file path=ppt/slides/slide15.xml><?xml version="1.0" encoding="utf-8"?>
 <p:sld xmlns:a="http://schemas.openxmlformats.org/drawingml/2006/main" xmlns:r="http://schemas.openxmlformats.org/officeDocument/2006/relationships" xmlns:p="http://schemas.openxmlformats.org/presentationml/2006/main">
   <p:cSld>
     <p:spTree>
@@ -6355,7 +6823,7 @@
 </p:sld>
 </file>
 
-<file path=ppt/slides/slide15.xml><?xml version="1.0" encoding="utf-8"?>
+<file path=ppt/slides/slide16.xml><?xml version="1.0" encoding="utf-8"?>
 <p:sld xmlns:a="http://schemas.openxmlformats.org/drawingml/2006/main" xmlns:r="http://schemas.openxmlformats.org/officeDocument/2006/relationships" xmlns:p="http://schemas.openxmlformats.org/presentationml/2006/main">
   <p:cSld>
     <p:spTree>
@@ -6381,7 +6849,7 @@
           <p:nvPr/>
         </p:nvPicPr>
         <p:blipFill>
-          <a:blip r:embed="rId2">
+          <a:blip r:embed="rId2" cstate="print">
             <a:extLst>
               <a:ext uri="{28A0092B-C50C-407E-A947-70E740481C1C}">
                 <a14:useLocalDpi xmlns:a14="http://schemas.microsoft.com/office/drawing/2010/main" val="0"/>
@@ -6832,7 +7300,7 @@
 </p:sld>
 </file>
 
-<file path=ppt/slides/slide16.xml><?xml version="1.0" encoding="utf-8"?>
+<file path=ppt/slides/slide17.xml><?xml version="1.0" encoding="utf-8"?>
 <p:sld xmlns:a="http://schemas.openxmlformats.org/drawingml/2006/main" xmlns:r="http://schemas.openxmlformats.org/officeDocument/2006/relationships" xmlns:p="http://schemas.openxmlformats.org/presentationml/2006/main">
   <p:cSld>
     <p:spTree>
@@ -7175,7 +7643,7 @@
 </p:sld>
 </file>
 
-<file path=ppt/slides/slide17.xml><?xml version="1.0" encoding="utf-8"?>
+<file path=ppt/slides/slide18.xml><?xml version="1.0" encoding="utf-8"?>
 <p:sld xmlns:a="http://schemas.openxmlformats.org/drawingml/2006/main" xmlns:r="http://schemas.openxmlformats.org/officeDocument/2006/relationships" xmlns:p="http://schemas.openxmlformats.org/presentationml/2006/main">
   <p:cSld>
     <p:spTree>
@@ -7485,7 +7953,7 @@
 </p:sld>
 </file>
 
-<file path=ppt/slides/slide18.xml><?xml version="1.0" encoding="utf-8"?>
+<file path=ppt/slides/slide19.xml><?xml version="1.0" encoding="utf-8"?>
 <p:sld xmlns:a="http://schemas.openxmlformats.org/drawingml/2006/main" xmlns:r="http://schemas.openxmlformats.org/officeDocument/2006/relationships" xmlns:p="http://schemas.openxmlformats.org/presentationml/2006/main">
   <p:cSld>
     <p:spTree>
@@ -7795,405 +8263,6 @@
     <p:extLst>
       <p:ext uri="{BB962C8B-B14F-4D97-AF65-F5344CB8AC3E}">
         <p14:creationId xmlns:p14="http://schemas.microsoft.com/office/powerpoint/2010/main" val="868682180"/>
-      </p:ext>
-    </p:extLst>
-  </p:cSld>
-  <p:clrMapOvr>
-    <a:masterClrMapping/>
-  </p:clrMapOvr>
-</p:sld>
-</file>
-
-<file path=ppt/slides/slide19.xml><?xml version="1.0" encoding="utf-8"?>
-<p:sld xmlns:a="http://schemas.openxmlformats.org/drawingml/2006/main" xmlns:r="http://schemas.openxmlformats.org/officeDocument/2006/relationships" xmlns:p="http://schemas.openxmlformats.org/presentationml/2006/main">
-  <p:cSld>
-    <p:spTree>
-      <p:nvGrpSpPr>
-        <p:cNvPr id="1" name=""/>
-        <p:cNvGrpSpPr/>
-        <p:nvPr/>
-      </p:nvGrpSpPr>
-      <p:grpSpPr>
-        <a:xfrm>
-          <a:off x="0" y="0"/>
-          <a:ext cx="0" cy="0"/>
-          <a:chOff x="0" y="0"/>
-          <a:chExt cx="0" cy="0"/>
-        </a:xfrm>
-      </p:grpSpPr>
-      <p:sp>
-        <p:nvSpPr>
-          <p:cNvPr id="24578" name="2 Marcador de contenido"/>
-          <p:cNvSpPr>
-            <a:spLocks noGrp="1"/>
-          </p:cNvSpPr>
-          <p:nvPr>
-            <p:ph idx="1"/>
-          </p:nvPr>
-        </p:nvSpPr>
-        <p:spPr>
-          <a:xfrm>
-            <a:off x="563794" y="1196752"/>
-            <a:ext cx="8046806" cy="3600400"/>
-          </a:xfrm>
-        </p:spPr>
-        <p:txBody>
-          <a:bodyPr/>
-          <a:lstStyle/>
-          <a:p>
-            <a:pPr algn="just">
-              <a:lnSpc>
-                <a:spcPct val="150000"/>
-              </a:lnSpc>
-              <a:spcBef>
-                <a:spcPts val="1200"/>
-              </a:spcBef>
-            </a:pPr>
-            <a:r>
-              <a:rPr lang="es-ES" altLang="es-MX" sz="2400" dirty="0">
-                <a:solidFill>
-                  <a:schemeClr val="bg2">
-                    <a:lumMod val="25000"/>
-                  </a:schemeClr>
-                </a:solidFill>
-              </a:rPr>
-              <a:t>La tecnología inalámbrica Bluetooth te permite conectar tu teléfono móvil a distintos dispositivos como auriculares, ordenadores portátiles…  sin preocuparse de cables o de la posición de los dispositivos.</a:t>
-            </a:r>
-          </a:p>
-          <a:p>
-            <a:pPr algn="just">
-              <a:lnSpc>
-                <a:spcPct val="150000"/>
-              </a:lnSpc>
-              <a:spcBef>
-                <a:spcPts val="1200"/>
-              </a:spcBef>
-            </a:pPr>
-            <a:r>
-              <a:rPr lang="es-ES" altLang="es-MX" sz="2400" dirty="0">
-                <a:solidFill>
-                  <a:schemeClr val="bg2">
-                    <a:lumMod val="25000"/>
-                  </a:schemeClr>
-                </a:solidFill>
-              </a:rPr>
-              <a:t>Teniendo en cuenta su alcance podemos distinguir tres clases de bluetooth:</a:t>
-            </a:r>
-          </a:p>
-          <a:p>
-            <a:pPr lvl="1" eaLnBrk="1" hangingPunct="1"/>
-            <a:endParaRPr lang="es-ES" altLang="es-MX" dirty="0"/>
-          </a:p>
-        </p:txBody>
-      </p:sp>
-      <p:graphicFrame>
-        <p:nvGraphicFramePr>
-          <p:cNvPr id="4" name="3 Tabla"/>
-          <p:cNvGraphicFramePr>
-            <a:graphicFrameLocks noGrp="1"/>
-          </p:cNvGraphicFramePr>
-          <p:nvPr>
-            <p:extLst>
-              <p:ext uri="{D42A27DB-BD31-4B8C-83A1-F6EECF244321}">
-                <p14:modId xmlns:p14="http://schemas.microsoft.com/office/powerpoint/2010/main" val="2490459908"/>
-              </p:ext>
-            </p:extLst>
-          </p:nvPr>
-        </p:nvGraphicFramePr>
-        <p:xfrm>
-          <a:off x="1691680" y="5013176"/>
-          <a:ext cx="6096000" cy="1112838"/>
-        </p:xfrm>
-        <a:graphic>
-          <a:graphicData uri="http://schemas.openxmlformats.org/drawingml/2006/table">
-            <a:tbl>
-              <a:tblPr firstRow="1" bandRow="1">
-                <a:tableStyleId>{5C22544A-7EE6-4342-B048-85BDC9FD1C3A}</a:tableStyleId>
-              </a:tblPr>
-              <a:tblGrid>
-                <a:gridCol w="3048000">
-                  <a:extLst>
-                    <a:ext uri="{9D8B030D-6E8A-4147-A177-3AD203B41FA5}">
-                      <a16:colId xmlns:a16="http://schemas.microsoft.com/office/drawing/2014/main" val="20000"/>
-                    </a:ext>
-                  </a:extLst>
-                </a:gridCol>
-                <a:gridCol w="3048000">
-                  <a:extLst>
-                    <a:ext uri="{9D8B030D-6E8A-4147-A177-3AD203B41FA5}">
-                      <a16:colId xmlns:a16="http://schemas.microsoft.com/office/drawing/2014/main" val="20001"/>
-                    </a:ext>
-                  </a:extLst>
-                </a:gridCol>
-              </a:tblGrid>
-              <a:tr h="370946">
-                <a:tc>
-                  <a:txBody>
-                    <a:bodyPr/>
-                    <a:lstStyle/>
-                    <a:p>
-                      <a:r>
-                        <a:rPr lang="es-ES" sz="1800" dirty="0"/>
-                        <a:t>Clase 1</a:t>
-                      </a:r>
-                    </a:p>
-                  </a:txBody>
-                  <a:tcPr marT="45733" marB="45733"/>
-                </a:tc>
-                <a:tc>
-                  <a:txBody>
-                    <a:bodyPr/>
-                    <a:lstStyle/>
-                    <a:p>
-                      <a:r>
-                        <a:rPr lang="es-ES" sz="1800" dirty="0"/>
-                        <a:t>100 metros</a:t>
-                      </a:r>
-                    </a:p>
-                  </a:txBody>
-                  <a:tcPr marT="45733" marB="45733"/>
-                </a:tc>
-                <a:extLst>
-                  <a:ext uri="{0D108BD9-81ED-4DB2-BD59-A6C34878D82A}">
-                    <a16:rowId xmlns:a16="http://schemas.microsoft.com/office/drawing/2014/main" val="10000"/>
-                  </a:ext>
-                </a:extLst>
-              </a:tr>
-              <a:tr h="370946">
-                <a:tc>
-                  <a:txBody>
-                    <a:bodyPr/>
-                    <a:lstStyle/>
-                    <a:p>
-                      <a:r>
-                        <a:rPr lang="es-ES" sz="1800" dirty="0"/>
-                        <a:t>Clase 2</a:t>
-                      </a:r>
-                    </a:p>
-                  </a:txBody>
-                  <a:tcPr marT="45733" marB="45733"/>
-                </a:tc>
-                <a:tc>
-                  <a:txBody>
-                    <a:bodyPr/>
-                    <a:lstStyle/>
-                    <a:p>
-                      <a:r>
-                        <a:rPr lang="es-ES" sz="1800" dirty="0"/>
-                        <a:t>20 metros</a:t>
-                      </a:r>
-                    </a:p>
-                  </a:txBody>
-                  <a:tcPr marT="45733" marB="45733"/>
-                </a:tc>
-                <a:extLst>
-                  <a:ext uri="{0D108BD9-81ED-4DB2-BD59-A6C34878D82A}">
-                    <a16:rowId xmlns:a16="http://schemas.microsoft.com/office/drawing/2014/main" val="10001"/>
-                  </a:ext>
-                </a:extLst>
-              </a:tr>
-              <a:tr h="370946">
-                <a:tc>
-                  <a:txBody>
-                    <a:bodyPr/>
-                    <a:lstStyle/>
-                    <a:p>
-                      <a:r>
-                        <a:rPr lang="es-ES" sz="1800" dirty="0"/>
-                        <a:t>Clase 3</a:t>
-                      </a:r>
-                    </a:p>
-                  </a:txBody>
-                  <a:tcPr marT="45733" marB="45733"/>
-                </a:tc>
-                <a:tc>
-                  <a:txBody>
-                    <a:bodyPr/>
-                    <a:lstStyle/>
-                    <a:p>
-                      <a:r>
-                        <a:rPr lang="es-ES" sz="1800" dirty="0"/>
-                        <a:t>1 metro</a:t>
-                      </a:r>
-                    </a:p>
-                  </a:txBody>
-                  <a:tcPr marT="45733" marB="45733"/>
-                </a:tc>
-                <a:extLst>
-                  <a:ext uri="{0D108BD9-81ED-4DB2-BD59-A6C34878D82A}">
-                    <a16:rowId xmlns:a16="http://schemas.microsoft.com/office/drawing/2014/main" val="10002"/>
-                  </a:ext>
-                </a:extLst>
-              </a:tr>
-            </a:tbl>
-          </a:graphicData>
-        </a:graphic>
-      </p:graphicFrame>
-      <p:sp>
-        <p:nvSpPr>
-          <p:cNvPr id="5" name="Text Box 2"/>
-          <p:cNvSpPr txBox="1">
-            <a:spLocks noChangeArrowheads="1"/>
-          </p:cNvSpPr>
-          <p:nvPr/>
-        </p:nvSpPr>
-        <p:spPr bwMode="auto">
-          <a:xfrm>
-            <a:off x="533400" y="304800"/>
-            <a:ext cx="8077200" cy="646113"/>
-          </a:xfrm>
-          <a:prstGeom prst="rect">
-            <a:avLst/>
-          </a:prstGeom>
-          <a:gradFill rotWithShape="0">
-            <a:gsLst>
-              <a:gs pos="0">
-                <a:srgbClr val="185E76"/>
-              </a:gs>
-              <a:gs pos="50000">
-                <a:srgbClr val="33CCFF"/>
-              </a:gs>
-              <a:gs pos="100000">
-                <a:srgbClr val="185E76"/>
-              </a:gs>
-            </a:gsLst>
-            <a:lin ang="5400000" scaled="1"/>
-          </a:gradFill>
-          <a:ln>
-            <a:noFill/>
-          </a:ln>
-          <a:extLst>
-            <a:ext uri="{91240B29-F687-4F45-9708-019B960494DF}">
-              <a14:hiddenLine xmlns:a14="http://schemas.microsoft.com/office/drawing/2010/main" w="9525">
-                <a:solidFill>
-                  <a:srgbClr val="000000"/>
-                </a:solidFill>
-                <a:miter lim="800000"/>
-                <a:headEnd/>
-                <a:tailEnd/>
-              </a14:hiddenLine>
-            </a:ext>
-          </a:extLst>
-        </p:spPr>
-        <p:txBody>
-          <a:bodyPr>
-            <a:spAutoFit/>
-          </a:bodyPr>
-          <a:lstStyle>
-            <a:lvl1pPr eaLnBrk="0" hangingPunct="0">
-              <a:defRPr sz="2400">
-                <a:solidFill>
-                  <a:schemeClr val="tx1"/>
-                </a:solidFill>
-                <a:latin typeface="Times New Roman" pitchFamily="18" charset="0"/>
-              </a:defRPr>
-            </a:lvl1pPr>
-            <a:lvl2pPr marL="742950" indent="-285750" eaLnBrk="0" hangingPunct="0">
-              <a:defRPr sz="2400">
-                <a:solidFill>
-                  <a:schemeClr val="tx1"/>
-                </a:solidFill>
-                <a:latin typeface="Times New Roman" pitchFamily="18" charset="0"/>
-              </a:defRPr>
-            </a:lvl2pPr>
-            <a:lvl3pPr marL="1143000" indent="-228600" eaLnBrk="0" hangingPunct="0">
-              <a:defRPr sz="2400">
-                <a:solidFill>
-                  <a:schemeClr val="tx1"/>
-                </a:solidFill>
-                <a:latin typeface="Times New Roman" pitchFamily="18" charset="0"/>
-              </a:defRPr>
-            </a:lvl3pPr>
-            <a:lvl4pPr marL="1600200" indent="-228600" eaLnBrk="0" hangingPunct="0">
-              <a:defRPr sz="2400">
-                <a:solidFill>
-                  <a:schemeClr val="tx1"/>
-                </a:solidFill>
-                <a:latin typeface="Times New Roman" pitchFamily="18" charset="0"/>
-              </a:defRPr>
-            </a:lvl4pPr>
-            <a:lvl5pPr marL="2057400" indent="-228600" eaLnBrk="0" hangingPunct="0">
-              <a:defRPr sz="2400">
-                <a:solidFill>
-                  <a:schemeClr val="tx1"/>
-                </a:solidFill>
-                <a:latin typeface="Times New Roman" pitchFamily="18" charset="0"/>
-              </a:defRPr>
-            </a:lvl5pPr>
-            <a:lvl6pPr marL="2514600" indent="-228600" eaLnBrk="0" fontAlgn="base" hangingPunct="0">
-              <a:spcBef>
-                <a:spcPct val="0"/>
-              </a:spcBef>
-              <a:spcAft>
-                <a:spcPct val="0"/>
-              </a:spcAft>
-              <a:defRPr sz="2400">
-                <a:solidFill>
-                  <a:schemeClr val="tx1"/>
-                </a:solidFill>
-                <a:latin typeface="Times New Roman" pitchFamily="18" charset="0"/>
-              </a:defRPr>
-            </a:lvl6pPr>
-            <a:lvl7pPr marL="2971800" indent="-228600" eaLnBrk="0" fontAlgn="base" hangingPunct="0">
-              <a:spcBef>
-                <a:spcPct val="0"/>
-              </a:spcBef>
-              <a:spcAft>
-                <a:spcPct val="0"/>
-              </a:spcAft>
-              <a:defRPr sz="2400">
-                <a:solidFill>
-                  <a:schemeClr val="tx1"/>
-                </a:solidFill>
-                <a:latin typeface="Times New Roman" pitchFamily="18" charset="0"/>
-              </a:defRPr>
-            </a:lvl7pPr>
-            <a:lvl8pPr marL="3429000" indent="-228600" eaLnBrk="0" fontAlgn="base" hangingPunct="0">
-              <a:spcBef>
-                <a:spcPct val="0"/>
-              </a:spcBef>
-              <a:spcAft>
-                <a:spcPct val="0"/>
-              </a:spcAft>
-              <a:defRPr sz="2400">
-                <a:solidFill>
-                  <a:schemeClr val="tx1"/>
-                </a:solidFill>
-                <a:latin typeface="Times New Roman" pitchFamily="18" charset="0"/>
-              </a:defRPr>
-            </a:lvl8pPr>
-            <a:lvl9pPr marL="3886200" indent="-228600" eaLnBrk="0" fontAlgn="base" hangingPunct="0">
-              <a:spcBef>
-                <a:spcPct val="0"/>
-              </a:spcBef>
-              <a:spcAft>
-                <a:spcPct val="0"/>
-              </a:spcAft>
-              <a:defRPr sz="2400">
-                <a:solidFill>
-                  <a:schemeClr val="tx1"/>
-                </a:solidFill>
-                <a:latin typeface="Times New Roman" pitchFamily="18" charset="0"/>
-              </a:defRPr>
-            </a:lvl9pPr>
-          </a:lstStyle>
-          <a:p>
-            <a:pPr algn="ctr" eaLnBrk="1" hangingPunct="1">
-              <a:spcBef>
-                <a:spcPct val="50000"/>
-              </a:spcBef>
-            </a:pPr>
-            <a:r>
-              <a:rPr lang="es-MX" altLang="es-MX" sz="3600" b="1" dirty="0"/>
-              <a:t>Bluetooth</a:t>
-            </a:r>
-          </a:p>
-        </p:txBody>
-      </p:sp>
-    </p:spTree>
-    <p:extLst>
-      <p:ext uri="{BB962C8B-B14F-4D97-AF65-F5344CB8AC3E}">
-        <p14:creationId xmlns:p14="http://schemas.microsoft.com/office/powerpoint/2010/main" val="976047544"/>
       </p:ext>
     </p:extLst>
   </p:cSld>
@@ -8471,7 +8540,7 @@
           <a:graphicData uri="http://schemas.openxmlformats.org/presentationml/2006/ole">
             <mc:AlternateContent xmlns:mc="http://schemas.openxmlformats.org/markup-compatibility/2006">
               <mc:Choice xmlns:v="urn:schemas-microsoft-com:vml" Requires="v">
-                <p:oleObj spid="_x0000_s66598" name="Bitmap Image" r:id="rId4" imgW="3162162" imgH="1847928" progId="Paint.Picture">
+                <p:oleObj spid="_x0000_s66601" name="Bitmap Image" r:id="rId4" imgW="3162162" imgH="1847928" progId="Paint.Picture">
                   <p:embed/>
                 </p:oleObj>
               </mc:Choice>
@@ -8883,6 +8952,405 @@
       </p:grpSpPr>
       <p:sp>
         <p:nvSpPr>
+          <p:cNvPr id="24578" name="2 Marcador de contenido"/>
+          <p:cNvSpPr>
+            <a:spLocks noGrp="1"/>
+          </p:cNvSpPr>
+          <p:nvPr>
+            <p:ph idx="1"/>
+          </p:nvPr>
+        </p:nvSpPr>
+        <p:spPr>
+          <a:xfrm>
+            <a:off x="563794" y="1196752"/>
+            <a:ext cx="8046806" cy="3600400"/>
+          </a:xfrm>
+        </p:spPr>
+        <p:txBody>
+          <a:bodyPr/>
+          <a:lstStyle/>
+          <a:p>
+            <a:pPr algn="just">
+              <a:lnSpc>
+                <a:spcPct val="150000"/>
+              </a:lnSpc>
+              <a:spcBef>
+                <a:spcPts val="1200"/>
+              </a:spcBef>
+            </a:pPr>
+            <a:r>
+              <a:rPr lang="es-ES" altLang="es-MX" sz="2400" dirty="0">
+                <a:solidFill>
+                  <a:schemeClr val="bg2">
+                    <a:lumMod val="25000"/>
+                  </a:schemeClr>
+                </a:solidFill>
+              </a:rPr>
+              <a:t>La tecnología inalámbrica Bluetooth te permite conectar tu teléfono móvil a distintos dispositivos como auriculares, ordenadores portátiles…  sin preocuparse de cables o de la posición de los dispositivos.</a:t>
+            </a:r>
+          </a:p>
+          <a:p>
+            <a:pPr algn="just">
+              <a:lnSpc>
+                <a:spcPct val="150000"/>
+              </a:lnSpc>
+              <a:spcBef>
+                <a:spcPts val="1200"/>
+              </a:spcBef>
+            </a:pPr>
+            <a:r>
+              <a:rPr lang="es-ES" altLang="es-MX" sz="2400" dirty="0">
+                <a:solidFill>
+                  <a:schemeClr val="bg2">
+                    <a:lumMod val="25000"/>
+                  </a:schemeClr>
+                </a:solidFill>
+              </a:rPr>
+              <a:t>Teniendo en cuenta su alcance podemos distinguir tres clases de bluetooth:</a:t>
+            </a:r>
+          </a:p>
+          <a:p>
+            <a:pPr lvl="1" eaLnBrk="1" hangingPunct="1"/>
+            <a:endParaRPr lang="es-ES" altLang="es-MX" dirty="0"/>
+          </a:p>
+        </p:txBody>
+      </p:sp>
+      <p:graphicFrame>
+        <p:nvGraphicFramePr>
+          <p:cNvPr id="4" name="3 Tabla"/>
+          <p:cNvGraphicFramePr>
+            <a:graphicFrameLocks noGrp="1"/>
+          </p:cNvGraphicFramePr>
+          <p:nvPr>
+            <p:extLst>
+              <p:ext uri="{D42A27DB-BD31-4B8C-83A1-F6EECF244321}">
+                <p14:modId xmlns:p14="http://schemas.microsoft.com/office/powerpoint/2010/main" val="2490459908"/>
+              </p:ext>
+            </p:extLst>
+          </p:nvPr>
+        </p:nvGraphicFramePr>
+        <p:xfrm>
+          <a:off x="1691680" y="5013176"/>
+          <a:ext cx="6096000" cy="1112838"/>
+        </p:xfrm>
+        <a:graphic>
+          <a:graphicData uri="http://schemas.openxmlformats.org/drawingml/2006/table">
+            <a:tbl>
+              <a:tblPr firstRow="1" bandRow="1">
+                <a:tableStyleId>{5C22544A-7EE6-4342-B048-85BDC9FD1C3A}</a:tableStyleId>
+              </a:tblPr>
+              <a:tblGrid>
+                <a:gridCol w="3048000">
+                  <a:extLst>
+                    <a:ext uri="{9D8B030D-6E8A-4147-A177-3AD203B41FA5}">
+                      <a16:colId xmlns:a16="http://schemas.microsoft.com/office/drawing/2014/main" val="20000"/>
+                    </a:ext>
+                  </a:extLst>
+                </a:gridCol>
+                <a:gridCol w="3048000">
+                  <a:extLst>
+                    <a:ext uri="{9D8B030D-6E8A-4147-A177-3AD203B41FA5}">
+                      <a16:colId xmlns:a16="http://schemas.microsoft.com/office/drawing/2014/main" val="20001"/>
+                    </a:ext>
+                  </a:extLst>
+                </a:gridCol>
+              </a:tblGrid>
+              <a:tr h="370946">
+                <a:tc>
+                  <a:txBody>
+                    <a:bodyPr/>
+                    <a:lstStyle/>
+                    <a:p>
+                      <a:r>
+                        <a:rPr lang="es-ES" sz="1800" dirty="0"/>
+                        <a:t>Clase 1</a:t>
+                      </a:r>
+                    </a:p>
+                  </a:txBody>
+                  <a:tcPr marT="45733" marB="45733"/>
+                </a:tc>
+                <a:tc>
+                  <a:txBody>
+                    <a:bodyPr/>
+                    <a:lstStyle/>
+                    <a:p>
+                      <a:r>
+                        <a:rPr lang="es-ES" sz="1800" dirty="0"/>
+                        <a:t>100 metros</a:t>
+                      </a:r>
+                    </a:p>
+                  </a:txBody>
+                  <a:tcPr marT="45733" marB="45733"/>
+                </a:tc>
+                <a:extLst>
+                  <a:ext uri="{0D108BD9-81ED-4DB2-BD59-A6C34878D82A}">
+                    <a16:rowId xmlns:a16="http://schemas.microsoft.com/office/drawing/2014/main" val="10000"/>
+                  </a:ext>
+                </a:extLst>
+              </a:tr>
+              <a:tr h="370946">
+                <a:tc>
+                  <a:txBody>
+                    <a:bodyPr/>
+                    <a:lstStyle/>
+                    <a:p>
+                      <a:r>
+                        <a:rPr lang="es-ES" sz="1800" dirty="0"/>
+                        <a:t>Clase 2</a:t>
+                      </a:r>
+                    </a:p>
+                  </a:txBody>
+                  <a:tcPr marT="45733" marB="45733"/>
+                </a:tc>
+                <a:tc>
+                  <a:txBody>
+                    <a:bodyPr/>
+                    <a:lstStyle/>
+                    <a:p>
+                      <a:r>
+                        <a:rPr lang="es-ES" sz="1800" dirty="0"/>
+                        <a:t>20 metros</a:t>
+                      </a:r>
+                    </a:p>
+                  </a:txBody>
+                  <a:tcPr marT="45733" marB="45733"/>
+                </a:tc>
+                <a:extLst>
+                  <a:ext uri="{0D108BD9-81ED-4DB2-BD59-A6C34878D82A}">
+                    <a16:rowId xmlns:a16="http://schemas.microsoft.com/office/drawing/2014/main" val="10001"/>
+                  </a:ext>
+                </a:extLst>
+              </a:tr>
+              <a:tr h="370946">
+                <a:tc>
+                  <a:txBody>
+                    <a:bodyPr/>
+                    <a:lstStyle/>
+                    <a:p>
+                      <a:r>
+                        <a:rPr lang="es-ES" sz="1800" dirty="0"/>
+                        <a:t>Clase 3</a:t>
+                      </a:r>
+                    </a:p>
+                  </a:txBody>
+                  <a:tcPr marT="45733" marB="45733"/>
+                </a:tc>
+                <a:tc>
+                  <a:txBody>
+                    <a:bodyPr/>
+                    <a:lstStyle/>
+                    <a:p>
+                      <a:r>
+                        <a:rPr lang="es-ES" sz="1800" dirty="0"/>
+                        <a:t>1 metro</a:t>
+                      </a:r>
+                    </a:p>
+                  </a:txBody>
+                  <a:tcPr marT="45733" marB="45733"/>
+                </a:tc>
+                <a:extLst>
+                  <a:ext uri="{0D108BD9-81ED-4DB2-BD59-A6C34878D82A}">
+                    <a16:rowId xmlns:a16="http://schemas.microsoft.com/office/drawing/2014/main" val="10002"/>
+                  </a:ext>
+                </a:extLst>
+              </a:tr>
+            </a:tbl>
+          </a:graphicData>
+        </a:graphic>
+      </p:graphicFrame>
+      <p:sp>
+        <p:nvSpPr>
+          <p:cNvPr id="5" name="Text Box 2"/>
+          <p:cNvSpPr txBox="1">
+            <a:spLocks noChangeArrowheads="1"/>
+          </p:cNvSpPr>
+          <p:nvPr/>
+        </p:nvSpPr>
+        <p:spPr bwMode="auto">
+          <a:xfrm>
+            <a:off x="533400" y="304800"/>
+            <a:ext cx="8077200" cy="646113"/>
+          </a:xfrm>
+          <a:prstGeom prst="rect">
+            <a:avLst/>
+          </a:prstGeom>
+          <a:gradFill rotWithShape="0">
+            <a:gsLst>
+              <a:gs pos="0">
+                <a:srgbClr val="185E76"/>
+              </a:gs>
+              <a:gs pos="50000">
+                <a:srgbClr val="33CCFF"/>
+              </a:gs>
+              <a:gs pos="100000">
+                <a:srgbClr val="185E76"/>
+              </a:gs>
+            </a:gsLst>
+            <a:lin ang="5400000" scaled="1"/>
+          </a:gradFill>
+          <a:ln>
+            <a:noFill/>
+          </a:ln>
+          <a:extLst>
+            <a:ext uri="{91240B29-F687-4F45-9708-019B960494DF}">
+              <a14:hiddenLine xmlns:a14="http://schemas.microsoft.com/office/drawing/2010/main" w="9525">
+                <a:solidFill>
+                  <a:srgbClr val="000000"/>
+                </a:solidFill>
+                <a:miter lim="800000"/>
+                <a:headEnd/>
+                <a:tailEnd/>
+              </a14:hiddenLine>
+            </a:ext>
+          </a:extLst>
+        </p:spPr>
+        <p:txBody>
+          <a:bodyPr>
+            <a:spAutoFit/>
+          </a:bodyPr>
+          <a:lstStyle>
+            <a:lvl1pPr eaLnBrk="0" hangingPunct="0">
+              <a:defRPr sz="2400">
+                <a:solidFill>
+                  <a:schemeClr val="tx1"/>
+                </a:solidFill>
+                <a:latin typeface="Times New Roman" pitchFamily="18" charset="0"/>
+              </a:defRPr>
+            </a:lvl1pPr>
+            <a:lvl2pPr marL="742950" indent="-285750" eaLnBrk="0" hangingPunct="0">
+              <a:defRPr sz="2400">
+                <a:solidFill>
+                  <a:schemeClr val="tx1"/>
+                </a:solidFill>
+                <a:latin typeface="Times New Roman" pitchFamily="18" charset="0"/>
+              </a:defRPr>
+            </a:lvl2pPr>
+            <a:lvl3pPr marL="1143000" indent="-228600" eaLnBrk="0" hangingPunct="0">
+              <a:defRPr sz="2400">
+                <a:solidFill>
+                  <a:schemeClr val="tx1"/>
+                </a:solidFill>
+                <a:latin typeface="Times New Roman" pitchFamily="18" charset="0"/>
+              </a:defRPr>
+            </a:lvl3pPr>
+            <a:lvl4pPr marL="1600200" indent="-228600" eaLnBrk="0" hangingPunct="0">
+              <a:defRPr sz="2400">
+                <a:solidFill>
+                  <a:schemeClr val="tx1"/>
+                </a:solidFill>
+                <a:latin typeface="Times New Roman" pitchFamily="18" charset="0"/>
+              </a:defRPr>
+            </a:lvl4pPr>
+            <a:lvl5pPr marL="2057400" indent="-228600" eaLnBrk="0" hangingPunct="0">
+              <a:defRPr sz="2400">
+                <a:solidFill>
+                  <a:schemeClr val="tx1"/>
+                </a:solidFill>
+                <a:latin typeface="Times New Roman" pitchFamily="18" charset="0"/>
+              </a:defRPr>
+            </a:lvl5pPr>
+            <a:lvl6pPr marL="2514600" indent="-228600" eaLnBrk="0" fontAlgn="base" hangingPunct="0">
+              <a:spcBef>
+                <a:spcPct val="0"/>
+              </a:spcBef>
+              <a:spcAft>
+                <a:spcPct val="0"/>
+              </a:spcAft>
+              <a:defRPr sz="2400">
+                <a:solidFill>
+                  <a:schemeClr val="tx1"/>
+                </a:solidFill>
+                <a:latin typeface="Times New Roman" pitchFamily="18" charset="0"/>
+              </a:defRPr>
+            </a:lvl6pPr>
+            <a:lvl7pPr marL="2971800" indent="-228600" eaLnBrk="0" fontAlgn="base" hangingPunct="0">
+              <a:spcBef>
+                <a:spcPct val="0"/>
+              </a:spcBef>
+              <a:spcAft>
+                <a:spcPct val="0"/>
+              </a:spcAft>
+              <a:defRPr sz="2400">
+                <a:solidFill>
+                  <a:schemeClr val="tx1"/>
+                </a:solidFill>
+                <a:latin typeface="Times New Roman" pitchFamily="18" charset="0"/>
+              </a:defRPr>
+            </a:lvl7pPr>
+            <a:lvl8pPr marL="3429000" indent="-228600" eaLnBrk="0" fontAlgn="base" hangingPunct="0">
+              <a:spcBef>
+                <a:spcPct val="0"/>
+              </a:spcBef>
+              <a:spcAft>
+                <a:spcPct val="0"/>
+              </a:spcAft>
+              <a:defRPr sz="2400">
+                <a:solidFill>
+                  <a:schemeClr val="tx1"/>
+                </a:solidFill>
+                <a:latin typeface="Times New Roman" pitchFamily="18" charset="0"/>
+              </a:defRPr>
+            </a:lvl8pPr>
+            <a:lvl9pPr marL="3886200" indent="-228600" eaLnBrk="0" fontAlgn="base" hangingPunct="0">
+              <a:spcBef>
+                <a:spcPct val="0"/>
+              </a:spcBef>
+              <a:spcAft>
+                <a:spcPct val="0"/>
+              </a:spcAft>
+              <a:defRPr sz="2400">
+                <a:solidFill>
+                  <a:schemeClr val="tx1"/>
+                </a:solidFill>
+                <a:latin typeface="Times New Roman" pitchFamily="18" charset="0"/>
+              </a:defRPr>
+            </a:lvl9pPr>
+          </a:lstStyle>
+          <a:p>
+            <a:pPr algn="ctr" eaLnBrk="1" hangingPunct="1">
+              <a:spcBef>
+                <a:spcPct val="50000"/>
+              </a:spcBef>
+            </a:pPr>
+            <a:r>
+              <a:rPr lang="es-MX" altLang="es-MX" sz="3600" b="1" dirty="0"/>
+              <a:t>Bluetooth</a:t>
+            </a:r>
+          </a:p>
+        </p:txBody>
+      </p:sp>
+    </p:spTree>
+    <p:extLst>
+      <p:ext uri="{BB962C8B-B14F-4D97-AF65-F5344CB8AC3E}">
+        <p14:creationId xmlns:p14="http://schemas.microsoft.com/office/powerpoint/2010/main" val="976047544"/>
+      </p:ext>
+    </p:extLst>
+  </p:cSld>
+  <p:clrMapOvr>
+    <a:masterClrMapping/>
+  </p:clrMapOvr>
+</p:sld>
+</file>
+
+<file path=ppt/slides/slide21.xml><?xml version="1.0" encoding="utf-8"?>
+<p:sld xmlns:a="http://schemas.openxmlformats.org/drawingml/2006/main" xmlns:r="http://schemas.openxmlformats.org/officeDocument/2006/relationships" xmlns:p="http://schemas.openxmlformats.org/presentationml/2006/main">
+  <p:cSld>
+    <p:spTree>
+      <p:nvGrpSpPr>
+        <p:cNvPr id="1" name=""/>
+        <p:cNvGrpSpPr/>
+        <p:nvPr/>
+      </p:nvGrpSpPr>
+      <p:grpSpPr>
+        <a:xfrm>
+          <a:off x="0" y="0"/>
+          <a:ext cx="0" cy="0"/>
+          <a:chOff x="0" y="0"/>
+          <a:chExt cx="0" cy="0"/>
+        </a:xfrm>
+      </p:grpSpPr>
+      <p:sp>
+        <p:nvSpPr>
           <p:cNvPr id="27650" name="2 Marcador de contenido"/>
           <p:cNvSpPr>
             <a:spLocks noGrp="1"/>
@@ -9164,7 +9632,7 @@
 </p:sld>
 </file>
 
-<file path=ppt/slides/slide21.xml><?xml version="1.0" encoding="utf-8"?>
+<file path=ppt/slides/slide22.xml><?xml version="1.0" encoding="utf-8"?>
 <p:sld xmlns:a="http://schemas.openxmlformats.org/drawingml/2006/main" xmlns:r="http://schemas.openxmlformats.org/officeDocument/2006/relationships" xmlns:p="http://schemas.openxmlformats.org/presentationml/2006/main">
   <p:cSld>
     <p:spTree>
@@ -9229,7 +9697,7 @@
                   </a:schemeClr>
                 </a:solidFill>
               </a:rPr>
-              <a:t>2.3 a 3.5 GHz</a:t>
+              <a:t>2.3 a 5.8 GHz</a:t>
             </a:r>
             <a:r>
               <a:rPr lang="es-ES" sz="7600" dirty="0">
@@ -9249,7 +9717,7 @@
                   </a:schemeClr>
                 </a:solidFill>
               </a:rPr>
-              <a:t>60 km</a:t>
+              <a:t>70 km</a:t>
             </a:r>
             <a:r>
               <a:rPr lang="es-ES" sz="7600" dirty="0">
@@ -9286,7 +9754,97 @@
                   </a:schemeClr>
                 </a:solidFill>
               </a:rPr>
-              <a:t>“Worldwide Interoperability for Microwave Access” o Interoperabilidad mundial de acceso por microondas. P</a:t>
+              <a:t>“</a:t>
+            </a:r>
+            <a:r>
+              <a:rPr lang="es-ES_tradnl" altLang="es-MX" sz="7600" dirty="0" err="1">
+                <a:solidFill>
+                  <a:schemeClr val="bg2">
+                    <a:lumMod val="25000"/>
+                  </a:schemeClr>
+                </a:solidFill>
+              </a:rPr>
+              <a:t>Worldwide</a:t>
+            </a:r>
+            <a:r>
+              <a:rPr lang="es-ES_tradnl" altLang="es-MX" sz="7600" dirty="0">
+                <a:solidFill>
+                  <a:schemeClr val="bg2">
+                    <a:lumMod val="25000"/>
+                  </a:schemeClr>
+                </a:solidFill>
+              </a:rPr>
+              <a:t> </a:t>
+            </a:r>
+            <a:r>
+              <a:rPr lang="es-ES_tradnl" altLang="es-MX" sz="7600" dirty="0" err="1">
+                <a:solidFill>
+                  <a:schemeClr val="bg2">
+                    <a:lumMod val="25000"/>
+                  </a:schemeClr>
+                </a:solidFill>
+              </a:rPr>
+              <a:t>Interoperability</a:t>
+            </a:r>
+            <a:r>
+              <a:rPr lang="es-ES_tradnl" altLang="es-MX" sz="7600" dirty="0">
+                <a:solidFill>
+                  <a:schemeClr val="bg2">
+                    <a:lumMod val="25000"/>
+                  </a:schemeClr>
+                </a:solidFill>
+              </a:rPr>
+              <a:t> </a:t>
+            </a:r>
+            <a:r>
+              <a:rPr lang="es-ES_tradnl" altLang="es-MX" sz="7600" dirty="0" err="1">
+                <a:solidFill>
+                  <a:schemeClr val="bg2">
+                    <a:lumMod val="25000"/>
+                  </a:schemeClr>
+                </a:solidFill>
+              </a:rPr>
+              <a:t>for</a:t>
+            </a:r>
+            <a:r>
+              <a:rPr lang="es-ES_tradnl" altLang="es-MX" sz="7600" dirty="0">
+                <a:solidFill>
+                  <a:schemeClr val="bg2">
+                    <a:lumMod val="25000"/>
+                  </a:schemeClr>
+                </a:solidFill>
+              </a:rPr>
+              <a:t> </a:t>
+            </a:r>
+            <a:r>
+              <a:rPr lang="es-ES_tradnl" altLang="es-MX" sz="7600" dirty="0" err="1">
+                <a:solidFill>
+                  <a:schemeClr val="bg2">
+                    <a:lumMod val="25000"/>
+                  </a:schemeClr>
+                </a:solidFill>
+              </a:rPr>
+              <a:t>Microwave</a:t>
+            </a:r>
+            <a:r>
+              <a:rPr lang="es-ES_tradnl" altLang="es-MX" sz="7600" dirty="0">
+                <a:solidFill>
+                  <a:schemeClr val="bg2">
+                    <a:lumMod val="25000"/>
+                  </a:schemeClr>
+                </a:solidFill>
+              </a:rPr>
+              <a:t> Access” o Interoperabilidad mundial de acceso por microondas. P</a:t>
+            </a:r>
+            <a:r>
+              <a:rPr lang="es-ES" sz="7600" dirty="0" err="1">
+                <a:solidFill>
+                  <a:schemeClr val="bg2">
+                    <a:lumMod val="25000"/>
+                  </a:schemeClr>
+                </a:solidFill>
+              </a:rPr>
+              <a:t>ermite</a:t>
             </a:r>
             <a:r>
               <a:rPr lang="es-ES" sz="7600" dirty="0">
@@ -9296,7 +9854,7 @@
                   </a:schemeClr>
                 </a:solidFill>
               </a:rPr>
-              <a:t>ermite la recepción de datos por </a:t>
+              <a:t> la recepción de datos por </a:t>
             </a:r>
             <a:r>
               <a:rPr lang="es-ES" sz="7600" b="1" dirty="0">
@@ -9356,6 +9914,16 @@
               </a:spcBef>
             </a:pPr>
             <a:r>
+              <a:rPr lang="es-ES_tradnl" altLang="es-MX" sz="7600" dirty="0" err="1">
+                <a:solidFill>
+                  <a:schemeClr val="bg2">
+                    <a:lumMod val="25000"/>
+                  </a:schemeClr>
+                </a:solidFill>
+              </a:rPr>
+              <a:t>Estandar</a:t>
+            </a:r>
+            <a:r>
               <a:rPr lang="es-ES_tradnl" altLang="es-MX" sz="7600" dirty="0">
                 <a:solidFill>
                   <a:schemeClr val="bg2">
@@ -9363,7 +9931,7 @@
                   </a:schemeClr>
                 </a:solidFill>
               </a:rPr>
-              <a:t>Estandar IEEE </a:t>
+              <a:t> IEEE </a:t>
             </a:r>
             <a:r>
               <a:rPr lang="es-ES_tradnl" altLang="es-MX" sz="7600" b="1" dirty="0">
@@ -9471,7 +10039,7 @@
         </p:blipFill>
         <p:spPr bwMode="auto">
           <a:xfrm>
-            <a:off x="4823520" y="3735165"/>
+            <a:off x="4518819" y="3735165"/>
             <a:ext cx="4320480" cy="2808287"/>
           </a:xfrm>
           <a:prstGeom prst="rect">
@@ -9676,7 +10244,7 @@
 </p:sld>
 </file>
 
-<file path=ppt/slides/slide22.xml><?xml version="1.0" encoding="utf-8"?>
+<file path=ppt/slides/slide23.xml><?xml version="1.0" encoding="utf-8"?>
 <p:sld xmlns:a="http://schemas.openxmlformats.org/drawingml/2006/main" xmlns:r="http://schemas.openxmlformats.org/officeDocument/2006/relationships" xmlns:p="http://schemas.openxmlformats.org/presentationml/2006/main">
   <p:cSld>
     <p:spTree>
@@ -9806,27 +10374,7 @@
                   </a:schemeClr>
                 </a:solidFill>
               </a:rPr>
-              <a:t> comparado con los      </a:t>
-            </a:r>
-            <a:r>
-              <a:rPr lang="es-ES_tradnl" altLang="es-MX" sz="2000" b="1" dirty="0">
-                <a:solidFill>
-                  <a:schemeClr val="bg2">
-                    <a:lumMod val="25000"/>
-                  </a:schemeClr>
-                </a:solidFill>
-              </a:rPr>
-              <a:t>54 Mbps </a:t>
-            </a:r>
-            <a:r>
-              <a:rPr lang="es-ES_tradnl" altLang="es-MX" sz="2000" dirty="0">
-                <a:solidFill>
-                  <a:schemeClr val="bg2">
-                    <a:lumMod val="25000"/>
-                  </a:schemeClr>
-                </a:solidFill>
-              </a:rPr>
-              <a:t>que puede proporcionar Wifi. </a:t>
+              <a:t>. </a:t>
             </a:r>
           </a:p>
           <a:p>
@@ -10075,7 +10623,7 @@
 </p:sld>
 </file>
 
-<file path=ppt/slides/slide23.xml><?xml version="1.0" encoding="utf-8"?>
+<file path=ppt/slides/slide24.xml><?xml version="1.0" encoding="utf-8"?>
 <p:sld xmlns:a="http://schemas.openxmlformats.org/drawingml/2006/main" xmlns:r="http://schemas.openxmlformats.org/officeDocument/2006/relationships" xmlns:p="http://schemas.openxmlformats.org/presentationml/2006/main">
   <p:cSld>
     <p:spTree>
@@ -10370,7 +10918,7 @@
 </p:sld>
 </file>
 
-<file path=ppt/slides/slide24.xml><?xml version="1.0" encoding="utf-8"?>
+<file path=ppt/slides/slide25.xml><?xml version="1.0" encoding="utf-8"?>
 <p:sld xmlns:a="http://schemas.openxmlformats.org/drawingml/2006/main" xmlns:r="http://schemas.openxmlformats.org/officeDocument/2006/relationships" xmlns:p="http://schemas.openxmlformats.org/presentationml/2006/main">
   <p:cSld>
     <p:spTree>
@@ -10708,7 +11256,7 @@
 </p:sld>
 </file>
 
-<file path=ppt/slides/slide25.xml><?xml version="1.0" encoding="utf-8"?>
+<file path=ppt/slides/slide26.xml><?xml version="1.0" encoding="utf-8"?>
 <p:sld xmlns:a="http://schemas.openxmlformats.org/drawingml/2006/main" xmlns:r="http://schemas.openxmlformats.org/officeDocument/2006/relationships" xmlns:p="http://schemas.openxmlformats.org/presentationml/2006/main">
   <p:cSld>
     <p:spTree>
@@ -10984,7 +11532,7 @@
 </p:sld>
 </file>
 
-<file path=ppt/slides/slide26.xml><?xml version="1.0" encoding="utf-8"?>
+<file path=ppt/slides/slide27.xml><?xml version="1.0" encoding="utf-8"?>
 <p:sld xmlns:a="http://schemas.openxmlformats.org/drawingml/2006/main" xmlns:r="http://schemas.openxmlformats.org/officeDocument/2006/relationships" xmlns:p="http://schemas.openxmlformats.org/presentationml/2006/main">
   <p:cSld>
     <p:spTree>
@@ -13583,7 +14131,7 @@
                   </a:schemeClr>
                 </a:solidFill>
               </a:rPr>
-              <a:t>54 Mbps </a:t>
+              <a:t>54 Mbps</a:t>
             </a:r>
             <a:r>
               <a:rPr lang="es-ES" altLang="es-MX" sz="2300" dirty="0">
@@ -13593,7 +14141,7 @@
                   </a:schemeClr>
                 </a:solidFill>
               </a:rPr>
-              <a:t>aunque en la práctica es de 30 Mbps. </a:t>
+              <a:t>. </a:t>
             </a:r>
           </a:p>
           <a:p>
@@ -13956,7 +14504,7 @@
                   </a:schemeClr>
                 </a:solidFill>
               </a:rPr>
-              <a:t>11 Mbps </a:t>
+              <a:t>11 Mbps</a:t>
             </a:r>
             <a:r>
               <a:rPr lang="es-ES" altLang="es-MX" sz="2300" dirty="0">
@@ -13966,7 +14514,7 @@
                   </a:schemeClr>
                 </a:solidFill>
               </a:rPr>
-              <a:t>(6 Mbps en la práctica).</a:t>
+              <a:t>.</a:t>
             </a:r>
           </a:p>
           <a:p>
@@ -14323,7 +14871,7 @@
                   </a:schemeClr>
                 </a:solidFill>
               </a:rPr>
-              <a:t>54 Mbps </a:t>
+              <a:t>54 Mbps</a:t>
             </a:r>
             <a:r>
               <a:rPr lang="es-ES" altLang="es-MX" sz="2300" dirty="0">
@@ -14333,7 +14881,7 @@
                   </a:schemeClr>
                 </a:solidFill>
               </a:rPr>
-              <a:t>pero en la práctica solo consigue los 30 Mbps.</a:t>
+              <a:t>.</a:t>
             </a:r>
           </a:p>
           <a:p>
@@ -14415,29 +14963,6 @@
               </a:rPr>
               <a:t>.</a:t>
             </a:r>
-          </a:p>
-          <a:p>
-            <a:pPr lvl="1" algn="just">
-              <a:lnSpc>
-                <a:spcPct val="150000"/>
-              </a:lnSpc>
-              <a:spcBef>
-                <a:spcPts val="1200"/>
-              </a:spcBef>
-            </a:pPr>
-            <a:r>
-              <a:rPr lang="es-ES" altLang="es-MX" sz="2300" dirty="0">
-                <a:solidFill>
-                  <a:schemeClr val="bg2">
-                    <a:lumMod val="25000"/>
-                  </a:schemeClr>
-                </a:solidFill>
-              </a:rPr>
-              <a:t>Es compatible con el estándar 802.11b, lo que significa que los dispositivos que admiten el estándar 802.11g también pueden funcionar con el 802.11b.</a:t>
-            </a:r>
-          </a:p>
-          <a:p>
-            <a:pPr lvl="2" eaLnBrk="1" hangingPunct="1"/>
             <a:endParaRPr lang="es-ES" altLang="es-MX" dirty="0"/>
           </a:p>
           <a:p>
@@ -14618,7 +15143,7 @@
     </p:spTree>
     <p:extLst>
       <p:ext uri="{BB962C8B-B14F-4D97-AF65-F5344CB8AC3E}">
-        <p14:creationId xmlns:p14="http://schemas.microsoft.com/office/powerpoint/2010/main" val="3819688600"/>
+        <p14:creationId xmlns:p14="http://schemas.microsoft.com/office/powerpoint/2010/main" val="3198181129"/>
       </p:ext>
     </p:extLst>
   </p:cSld>

--- a/CalendarioAgo20/Presentaciones/13_RedesInalambricas.pptx
+++ b/CalendarioAgo20/Presentaciones/13_RedesInalambricas.pptx
@@ -798,6 +798,90 @@
           <a:bodyPr/>
           <a:lstStyle/>
           <a:p>
+            <a:endParaRPr lang="es-MX" dirty="0"/>
+          </a:p>
+        </p:txBody>
+      </p:sp>
+      <p:sp>
+        <p:nvSpPr>
+          <p:cNvPr id="4" name="Marcador de número de diapositiva 3"/>
+          <p:cNvSpPr>
+            <a:spLocks noGrp="1"/>
+          </p:cNvSpPr>
+          <p:nvPr>
+            <p:ph type="sldNum" sz="quarter" idx="5"/>
+          </p:nvPr>
+        </p:nvSpPr>
+        <p:spPr/>
+        <p:txBody>
+          <a:bodyPr/>
+          <a:lstStyle/>
+          <a:p>
+            <a:fld id="{5993AEC0-242E-4FA7-9D3C-51E1036AC3CB}" type="slidenum">
+              <a:rPr lang="es-MX" smtClean="0"/>
+              <a:t>4</a:t>
+            </a:fld>
+            <a:endParaRPr lang="es-MX" dirty="0"/>
+          </a:p>
+        </p:txBody>
+      </p:sp>
+    </p:spTree>
+    <p:extLst>
+      <p:ext uri="{BB962C8B-B14F-4D97-AF65-F5344CB8AC3E}">
+        <p14:creationId xmlns:p14="http://schemas.microsoft.com/office/powerpoint/2010/main" val="1581117572"/>
+      </p:ext>
+    </p:extLst>
+  </p:cSld>
+  <p:clrMapOvr>
+    <a:masterClrMapping/>
+  </p:clrMapOvr>
+</p:notes>
+</file>
+
+<file path=ppt/notesSlides/notesSlide3.xml><?xml version="1.0" encoding="utf-8"?>
+<p:notes xmlns:a="http://schemas.openxmlformats.org/drawingml/2006/main" xmlns:r="http://schemas.openxmlformats.org/officeDocument/2006/relationships" xmlns:p="http://schemas.openxmlformats.org/presentationml/2006/main">
+  <p:cSld>
+    <p:spTree>
+      <p:nvGrpSpPr>
+        <p:cNvPr id="1" name=""/>
+        <p:cNvGrpSpPr/>
+        <p:nvPr/>
+      </p:nvGrpSpPr>
+      <p:grpSpPr>
+        <a:xfrm>
+          <a:off x="0" y="0"/>
+          <a:ext cx="0" cy="0"/>
+          <a:chOff x="0" y="0"/>
+          <a:chExt cx="0" cy="0"/>
+        </a:xfrm>
+      </p:grpSpPr>
+      <p:sp>
+        <p:nvSpPr>
+          <p:cNvPr id="2" name="Marcador de imagen de diapositiva 1"/>
+          <p:cNvSpPr>
+            <a:spLocks noGrp="1" noRot="1" noChangeAspect="1"/>
+          </p:cNvSpPr>
+          <p:nvPr>
+            <p:ph type="sldImg"/>
+          </p:nvPr>
+        </p:nvSpPr>
+        <p:spPr/>
+      </p:sp>
+      <p:sp>
+        <p:nvSpPr>
+          <p:cNvPr id="3" name="Marcador de notas 2"/>
+          <p:cNvSpPr>
+            <a:spLocks noGrp="1"/>
+          </p:cNvSpPr>
+          <p:nvPr>
+            <p:ph type="body" idx="1"/>
+          </p:nvPr>
+        </p:nvSpPr>
+        <p:spPr/>
+        <p:txBody>
+          <a:bodyPr/>
+          <a:lstStyle/>
+          <a:p>
             <a:r>
               <a:rPr lang="en-US" dirty="0"/>
               <a:t>Wired Equivalent Privacy (WEP) is a security algorithm for IEEE 802.11 wireless networks. </a:t>
@@ -850,7 +934,7 @@
 </p:notes>
 </file>
 
-<file path=ppt/notesSlides/notesSlide3.xml><?xml version="1.0" encoding="utf-8"?>
+<file path=ppt/notesSlides/notesSlide4.xml><?xml version="1.0" encoding="utf-8"?>
 <p:notes xmlns:a="http://schemas.openxmlformats.org/drawingml/2006/main" xmlns:r="http://schemas.openxmlformats.org/officeDocument/2006/relationships" xmlns:p="http://schemas.openxmlformats.org/presentationml/2006/main">
   <p:cSld>
     <p:spTree>
@@ -934,7 +1018,7 @@
 </p:notes>
 </file>
 
-<file path=ppt/notesSlides/notesSlide4.xml><?xml version="1.0" encoding="utf-8"?>
+<file path=ppt/notesSlides/notesSlide5.xml><?xml version="1.0" encoding="utf-8"?>
 <p:notes xmlns:a="http://schemas.openxmlformats.org/drawingml/2006/main" xmlns:r="http://schemas.openxmlformats.org/officeDocument/2006/relationships" xmlns:p="http://schemas.openxmlformats.org/presentationml/2006/main">
   <p:cSld>
     <p:spTree>
@@ -8540,7 +8624,7 @@
           <a:graphicData uri="http://schemas.openxmlformats.org/presentationml/2006/ole">
             <mc:AlternateContent xmlns:mc="http://schemas.openxmlformats.org/markup-compatibility/2006">
               <mc:Choice xmlns:v="urn:schemas-microsoft-com:vml" Requires="v">
-                <p:oleObj spid="_x0000_s66601" name="Bitmap Image" r:id="rId4" imgW="3162162" imgH="1847928" progId="Paint.Picture">
+                <p:oleObj spid="_x0000_s66605" name="Bitmap Image" r:id="rId4" imgW="3162162" imgH="1847928" progId="Paint.Picture">
                   <p:embed/>
                 </p:oleObj>
               </mc:Choice>
@@ -11558,7 +11642,7 @@
           <p:nvPr>
             <p:extLst>
               <p:ext uri="{D42A27DB-BD31-4B8C-83A1-F6EECF244321}">
-                <p14:modId xmlns:p14="http://schemas.microsoft.com/office/powerpoint/2010/main" val="3389248705"/>
+                <p14:modId xmlns:p14="http://schemas.microsoft.com/office/powerpoint/2010/main" val="2255766112"/>
               </p:ext>
             </p:extLst>
           </p:nvPr>
@@ -11673,15 +11757,22 @@
                     <a:p>
                       <a:pPr algn="ctr"/>
                       <a:r>
-                        <a:rPr lang="es-ES" sz="1800" b="1" dirty="0">
+                        <a:rPr lang="es-ES" sz="1800" b="1" dirty="0" err="1">
                           <a:solidFill>
                             <a:schemeClr val="accent5">
                               <a:lumMod val="75000"/>
                             </a:schemeClr>
                           </a:solidFill>
                         </a:rPr>
-                        <a:t>Tabiques</a:t>
+                        <a:t>Tablass</a:t>
                       </a:r>
+                      <a:endParaRPr lang="es-ES" sz="1800" b="1" dirty="0">
+                        <a:solidFill>
+                          <a:schemeClr val="accent5">
+                            <a:lumMod val="75000"/>
+                          </a:schemeClr>
+                        </a:solidFill>
+                      </a:endParaRPr>
                     </a:p>
                   </a:txBody>
                   <a:tcPr marT="45717" marB="45717"/>
@@ -12941,8 +13032,8 @@
         </p:nvSpPr>
         <p:spPr>
           <a:xfrm>
-            <a:off x="454077" y="1124744"/>
-            <a:ext cx="8183562" cy="5327650"/>
+            <a:off x="1403648" y="1772816"/>
+            <a:ext cx="6840760" cy="3960440"/>
           </a:xfrm>
         </p:spPr>
         <p:txBody>
@@ -12951,7 +13042,11 @@
           </a:bodyPr>
           <a:lstStyle/>
           <a:p>
-            <a:pPr lvl="1" eaLnBrk="1" hangingPunct="1"/>
+            <a:pPr lvl="1" eaLnBrk="1" hangingPunct="1">
+              <a:spcAft>
+                <a:spcPts val="1200"/>
+              </a:spcAft>
+            </a:pPr>
             <a:r>
               <a:rPr lang="es-ES" altLang="es-MX" dirty="0">
                 <a:solidFill>
@@ -12960,11 +13055,18 @@
                   </a:schemeClr>
                 </a:solidFill>
               </a:rPr>
-              <a:t>¿Qué es un estándar Wi-Fi?</a:t>
-            </a:r>
-          </a:p>
-          <a:p>
-            <a:pPr lvl="1" eaLnBrk="1" hangingPunct="1"/>
+              <a:t>¿Qué es un estándar </a:t>
+            </a:r>
+            <a:r>
+              <a:rPr lang="es-ES" altLang="es-MX" dirty="0" err="1">
+                <a:solidFill>
+                  <a:schemeClr val="bg2">
+                    <a:lumMod val="25000"/>
+                  </a:schemeClr>
+                </a:solidFill>
+              </a:rPr>
+              <a:t>Wi</a:t>
+            </a:r>
             <a:r>
               <a:rPr lang="es-ES" altLang="es-MX" dirty="0">
                 <a:solidFill>
@@ -12973,6 +13075,23 @@
                   </a:schemeClr>
                 </a:solidFill>
               </a:rPr>
+              <a:t>-Fi?</a:t>
+            </a:r>
+          </a:p>
+          <a:p>
+            <a:pPr lvl="1" eaLnBrk="1" hangingPunct="1">
+              <a:spcAft>
+                <a:spcPts val="1200"/>
+              </a:spcAft>
+            </a:pPr>
+            <a:r>
+              <a:rPr lang="es-ES" altLang="es-MX" dirty="0">
+                <a:solidFill>
+                  <a:schemeClr val="bg2">
+                    <a:lumMod val="25000"/>
+                  </a:schemeClr>
+                </a:solidFill>
+              </a:rPr>
               <a:t>Los estándares mas comunes:</a:t>
             </a:r>
           </a:p>
@@ -12980,17 +13099,37 @@
             <a:pPr lvl="2" eaLnBrk="1" hangingPunct="1"/>
             <a:r>
               <a:rPr lang="es-ES" altLang="es-MX" sz="2400" dirty="0">
-                <a:hlinkClick r:id="rId2"/>
+                <a:solidFill>
+                  <a:schemeClr val="bg2">
+                    <a:lumMod val="25000"/>
+                  </a:schemeClr>
+                </a:solidFill>
               </a:rPr>
               <a:t>802.11</a:t>
             </a:r>
-            <a:endParaRPr lang="es-ES" altLang="es-MX" sz="2400" dirty="0"/>
+          </a:p>
+          <a:p>
+            <a:pPr lvl="2"/>
+            <a:r>
+              <a:rPr lang="es-ES" altLang="es-MX" dirty="0">
+                <a:solidFill>
+                  <a:schemeClr val="bg2">
+                    <a:lumMod val="25000"/>
+                  </a:schemeClr>
+                </a:solidFill>
+              </a:rPr>
+              <a:t>802.11a</a:t>
+            </a:r>
           </a:p>
           <a:p>
             <a:pPr lvl="2" eaLnBrk="1" hangingPunct="1"/>
             <a:r>
               <a:rPr lang="es-ES" altLang="es-MX" sz="2400" dirty="0">
-                <a:hlinkClick r:id="rId3"/>
+                <a:solidFill>
+                  <a:schemeClr val="bg2">
+                    <a:lumMod val="25000"/>
+                  </a:schemeClr>
+                </a:solidFill>
               </a:rPr>
               <a:t>802.11b</a:t>
             </a:r>
@@ -12999,23 +13138,17 @@
             <a:pPr lvl="2" eaLnBrk="1" hangingPunct="1"/>
             <a:r>
               <a:rPr lang="es-ES" altLang="es-MX" sz="2400" dirty="0">
-                <a:hlinkClick r:id="rId4"/>
+                <a:solidFill>
+                  <a:schemeClr val="bg2">
+                    <a:lumMod val="25000"/>
+                  </a:schemeClr>
+                </a:solidFill>
               </a:rPr>
               <a:t>802.11g</a:t>
             </a:r>
-            <a:endParaRPr lang="es-ES" altLang="es-MX" sz="2400" dirty="0"/>
-          </a:p>
-          <a:p>
-            <a:pPr lvl="2" eaLnBrk="1" hangingPunct="1"/>
-            <a:r>
-              <a:rPr lang="es-ES" altLang="es-MX" sz="2400" dirty="0">
-                <a:hlinkClick r:id="rId5"/>
-              </a:rPr>
-              <a:t>802.11a</a:t>
-            </a:r>
-          </a:p>
-          <a:p>
-            <a:pPr lvl="1" eaLnBrk="1" hangingPunct="1"/>
+          </a:p>
+          <a:p>
+            <a:pPr lvl="2"/>
             <a:r>
               <a:rPr lang="es-ES" altLang="es-MX" dirty="0">
                 <a:solidFill>
@@ -13024,48 +13157,8 @@
                   </a:schemeClr>
                 </a:solidFill>
               </a:rPr>
-              <a:t>Extensiones y otros estándares:</a:t>
-            </a:r>
-          </a:p>
-          <a:p>
-            <a:pPr lvl="2" eaLnBrk="1" hangingPunct="1"/>
-            <a:r>
-              <a:rPr lang="pt-BR" altLang="es-MX" dirty="0">
-                <a:hlinkClick r:id="rId6"/>
-              </a:rPr>
-              <a:t>802.11e</a:t>
-            </a:r>
-            <a:endParaRPr lang="pt-BR" altLang="es-MX" dirty="0"/>
-          </a:p>
-          <a:p>
-            <a:pPr lvl="2" eaLnBrk="1" hangingPunct="1"/>
-            <a:r>
-              <a:rPr lang="pt-BR" altLang="es-MX" dirty="0">
-                <a:hlinkClick r:id="rId7"/>
-              </a:rPr>
-              <a:t>802.11i</a:t>
-            </a:r>
-            <a:endParaRPr lang="pt-BR" altLang="es-MX" dirty="0"/>
-          </a:p>
-          <a:p>
-            <a:pPr lvl="2" eaLnBrk="1" hangingPunct="1"/>
-            <a:r>
-              <a:rPr lang="pt-BR" altLang="es-MX" dirty="0">
-                <a:hlinkClick r:id="rId8"/>
-              </a:rPr>
-              <a:t>802.11d</a:t>
-            </a:r>
-            <a:endParaRPr lang="pt-BR" altLang="es-MX" dirty="0"/>
-          </a:p>
-          <a:p>
-            <a:pPr lvl="2" eaLnBrk="1" hangingPunct="1"/>
-            <a:r>
-              <a:rPr lang="pt-BR" altLang="es-MX" dirty="0">
-                <a:hlinkClick r:id="rId9"/>
-              </a:rPr>
-              <a:t>802.11f</a:t>
-            </a:r>
-            <a:endParaRPr lang="es-ES" altLang="es-MX" dirty="0"/>
+              <a:t>802.11n</a:t>
+            </a:r>
           </a:p>
         </p:txBody>
       </p:sp>
@@ -13230,6 +13323,66 @@
           </a:p>
         </p:txBody>
       </p:sp>
+      <p:pic>
+        <p:nvPicPr>
+          <p:cNvPr id="4" name="Picture 2">
+            <a:extLst>
+              <a:ext uri="{FF2B5EF4-FFF2-40B4-BE49-F238E27FC236}">
+                <a16:creationId xmlns:a16="http://schemas.microsoft.com/office/drawing/2014/main" id="{694B95F8-6816-42C8-8F97-9E1177FC077E}"/>
+              </a:ext>
+            </a:extLst>
+          </p:cNvPr>
+          <p:cNvPicPr>
+            <a:picLocks noChangeAspect="1" noChangeArrowheads="1"/>
+          </p:cNvPicPr>
+          <p:nvPr/>
+        </p:nvPicPr>
+        <p:blipFill>
+          <a:blip r:embed="rId3">
+            <a:extLst>
+              <a:ext uri="{28A0092B-C50C-407E-A947-70E740481C1C}">
+                <a14:useLocalDpi xmlns:a14="http://schemas.microsoft.com/office/drawing/2010/main" val="0"/>
+              </a:ext>
+            </a:extLst>
+          </a:blip>
+          <a:srcRect/>
+          <a:stretch>
+            <a:fillRect/>
+          </a:stretch>
+        </p:blipFill>
+        <p:spPr bwMode="auto">
+          <a:xfrm>
+            <a:off x="4824028" y="4221088"/>
+            <a:ext cx="2135365" cy="807491"/>
+          </a:xfrm>
+          <a:prstGeom prst="rect">
+            <a:avLst/>
+          </a:prstGeom>
+          <a:noFill/>
+          <a:ln>
+            <a:noFill/>
+          </a:ln>
+          <a:extLst>
+            <a:ext uri="{909E8E84-426E-40DD-AFC4-6F175D3DCCD1}">
+              <a14:hiddenFill xmlns:a14="http://schemas.microsoft.com/office/drawing/2010/main">
+                <a:solidFill>
+                  <a:srgbClr val="FFFFFF"/>
+                </a:solidFill>
+              </a14:hiddenFill>
+            </a:ext>
+            <a:ext uri="{91240B29-F687-4F45-9708-019B960494DF}">
+              <a14:hiddenLine xmlns:a14="http://schemas.microsoft.com/office/drawing/2010/main" w="9525">
+                <a:solidFill>
+                  <a:srgbClr val="000000"/>
+                </a:solidFill>
+                <a:miter lim="800000"/>
+                <a:headEnd/>
+                <a:tailEnd/>
+              </a14:hiddenLine>
+            </a:ext>
+          </a:extLst>
+        </p:spPr>
+      </p:pic>
     </p:spTree>
     <p:extLst>
       <p:ext uri="{BB962C8B-B14F-4D97-AF65-F5344CB8AC3E}">
